--- a/phase1/TicketVendor CRC Cards.pptx
+++ b/phase1/TicketVendor CRC Cards.pptx
@@ -5,7 +5,7 @@
     <p:sldMasterId id="2147483659" r:id="rId1"/>
   </p:sldMasterIdLst>
   <p:notesMasterIdLst>
-    <p:notesMasterId r:id="rId23"/>
+    <p:notesMasterId r:id="rId24"/>
   </p:notesMasterIdLst>
   <p:sldIdLst>
     <p:sldId id="260" r:id="rId2"/>
@@ -23,12 +23,13 @@
     <p:sldId id="274" r:id="rId14"/>
     <p:sldId id="266" r:id="rId15"/>
     <p:sldId id="276" r:id="rId16"/>
-    <p:sldId id="285" r:id="rId17"/>
-    <p:sldId id="280" r:id="rId18"/>
-    <p:sldId id="273" r:id="rId19"/>
-    <p:sldId id="275" r:id="rId20"/>
-    <p:sldId id="288" r:id="rId21"/>
-    <p:sldId id="289" r:id="rId22"/>
+    <p:sldId id="290" r:id="rId17"/>
+    <p:sldId id="285" r:id="rId18"/>
+    <p:sldId id="280" r:id="rId19"/>
+    <p:sldId id="273" r:id="rId20"/>
+    <p:sldId id="275" r:id="rId21"/>
+    <p:sldId id="288" r:id="rId22"/>
+    <p:sldId id="289" r:id="rId23"/>
   </p:sldIdLst>
   <p:sldSz cx="9144000" cy="5143500" type="screen16x9"/>
   <p:notesSz cx="6858000" cy="9144000"/>
@@ -6888,7 +6889,7 @@
               <a:pPr marL="74295">
                 <a:buSzPts val="1000"/>
               </a:pPr>
-              <a:endParaRPr lang="en" sz="1000"/>
+              <a:endParaRPr lang="en" sz="1000" dirty="0"/>
             </a:p>
             <a:p>
               <a:pPr marL="182880" indent="-108585">
@@ -6896,7 +6897,7 @@
                 <a:buChar char="●"/>
               </a:pPr>
               <a:r>
-                <a:rPr lang="en" altLang="ja-JP" sz="1000"/>
+                <a:rPr lang="en" altLang="ja-JP" sz="1000" dirty="0"/>
                 <a:t>Store all tickets purchased and items redeemed by a customer</a:t>
               </a:r>
             </a:p>
@@ -6907,7 +6908,7 @@
                 <a:buChar char="●"/>
               </a:pPr>
               <a:r>
-                <a:rPr lang="en" altLang="ja-JP" sz="1000"/>
+                <a:rPr lang="en" altLang="ja-JP" sz="1000" dirty="0"/>
                 <a:t>Add new purchased tickets</a:t>
               </a:r>
             </a:p>
@@ -6918,7 +6919,7 @@
                 <a:buChar char="●"/>
               </a:pPr>
               <a:r>
-                <a:rPr lang="en" altLang="ja-JP" sz="1000"/>
+                <a:rPr lang="en" altLang="ja-JP" sz="1000" dirty="0"/>
                 <a:t>Add new items redeemed</a:t>
               </a:r>
             </a:p>
@@ -6927,25 +6928,25 @@
                 <a:buFont typeface="Arial,Sans-Serif"/>
                 <a:buChar char="●"/>
               </a:pPr>
-              <a:endParaRPr lang="en" sz="1000"/>
+              <a:endParaRPr lang="en" sz="1000" dirty="0"/>
             </a:p>
             <a:p>
               <a:pPr marL="74295"/>
-              <a:endParaRPr lang="en" sz="1000"/>
+              <a:endParaRPr lang="en" sz="1000" dirty="0"/>
             </a:p>
             <a:p>
               <a:pPr marL="182880" indent="-108585">
                 <a:buSzPts val="1000"/>
                 <a:buChar char="●"/>
               </a:pPr>
-              <a:endParaRPr lang="en" altLang="ja-JP" sz="1000"/>
+              <a:endParaRPr lang="en" altLang="ja-JP" sz="1000" dirty="0"/>
             </a:p>
             <a:p>
               <a:pPr marL="182880" indent="-108585">
                 <a:buSzPts val="1000"/>
                 <a:buChar char="●"/>
               </a:pPr>
-              <a:endParaRPr lang="en" altLang="ja-JP" sz="1000"/>
+              <a:endParaRPr lang="en" altLang="ja-JP" sz="1000" dirty="0"/>
             </a:p>
           </p:txBody>
         </p:sp>
@@ -9236,6 +9237,440 @@
           <a:chExt cx="0" cy="0"/>
         </a:xfrm>
       </p:grpSpPr>
+      <p:sp>
+        <p:nvSpPr>
+          <p:cNvPr id="2" name="标题 1">
+            <a:extLst>
+              <a:ext uri="{FF2B5EF4-FFF2-40B4-BE49-F238E27FC236}">
+                <a16:creationId xmlns:a16="http://schemas.microsoft.com/office/drawing/2014/main" id="{2371DB71-9771-46AB-8D1E-8071EEA21079}"/>
+              </a:ext>
+            </a:extLst>
+          </p:cNvPr>
+          <p:cNvSpPr>
+            <a:spLocks noGrp="1"/>
+          </p:cNvSpPr>
+          <p:nvPr>
+            <p:ph type="title"/>
+          </p:nvPr>
+        </p:nvSpPr>
+        <p:spPr/>
+        <p:txBody>
+          <a:bodyPr>
+            <a:normAutofit fontScale="90000"/>
+          </a:bodyPr>
+          <a:lstStyle/>
+          <a:p>
+            <a:endParaRPr lang="zh-CN" altLang="en-US"/>
+          </a:p>
+        </p:txBody>
+      </p:sp>
+      <p:sp>
+        <p:nvSpPr>
+          <p:cNvPr id="3" name="文本占位符 2">
+            <a:extLst>
+              <a:ext uri="{FF2B5EF4-FFF2-40B4-BE49-F238E27FC236}">
+                <a16:creationId xmlns:a16="http://schemas.microsoft.com/office/drawing/2014/main" id="{54FA4658-037F-4681-9CF1-A9F893100F70}"/>
+              </a:ext>
+            </a:extLst>
+          </p:cNvPr>
+          <p:cNvSpPr>
+            <a:spLocks noGrp="1"/>
+          </p:cNvSpPr>
+          <p:nvPr>
+            <p:ph type="body" idx="1"/>
+          </p:nvPr>
+        </p:nvSpPr>
+        <p:spPr/>
+        <p:txBody>
+          <a:bodyPr/>
+          <a:lstStyle/>
+          <a:p>
+            <a:endParaRPr lang="zh-CN" altLang="en-US" dirty="0"/>
+          </a:p>
+        </p:txBody>
+      </p:sp>
+      <p:grpSp>
+        <p:nvGrpSpPr>
+          <p:cNvPr id="4" name="Google Shape;68;p14">
+            <a:extLst>
+              <a:ext uri="{FF2B5EF4-FFF2-40B4-BE49-F238E27FC236}">
+                <a16:creationId xmlns:a16="http://schemas.microsoft.com/office/drawing/2014/main" id="{1C8CD33E-70B7-41F7-A0B2-6D9C597E7B03}"/>
+              </a:ext>
+            </a:extLst>
+          </p:cNvPr>
+          <p:cNvGrpSpPr/>
+          <p:nvPr/>
+        </p:nvGrpSpPr>
+        <p:grpSpPr>
+          <a:xfrm>
+            <a:off x="472139" y="379966"/>
+            <a:ext cx="8199262" cy="4606372"/>
+            <a:chOff x="2201300" y="2267500"/>
+            <a:chExt cx="3563300" cy="1982700"/>
+          </a:xfrm>
+        </p:grpSpPr>
+        <p:sp>
+          <p:nvSpPr>
+            <p:cNvPr id="5" name="Google Shape;69;p14">
+              <a:extLst>
+                <a:ext uri="{FF2B5EF4-FFF2-40B4-BE49-F238E27FC236}">
+                  <a16:creationId xmlns:a16="http://schemas.microsoft.com/office/drawing/2014/main" id="{E6C6180C-E4B5-4276-B26C-6BAD870AAE26}"/>
+                </a:ext>
+              </a:extLst>
+            </p:cNvPr>
+            <p:cNvSpPr/>
+            <p:nvPr/>
+          </p:nvSpPr>
+          <p:spPr>
+            <a:xfrm>
+              <a:off x="2201500" y="2267500"/>
+              <a:ext cx="3563100" cy="1982700"/>
+            </a:xfrm>
+            <a:prstGeom prst="rect">
+              <a:avLst/>
+            </a:prstGeom>
+            <a:solidFill>
+              <a:schemeClr val="lt1"/>
+            </a:solidFill>
+            <a:ln w="28575" cap="flat" cmpd="sng">
+              <a:solidFill>
+                <a:schemeClr val="dk1"/>
+              </a:solidFill>
+              <a:prstDash val="solid"/>
+              <a:round/>
+              <a:headEnd type="none" w="sm" len="sm"/>
+              <a:tailEnd type="none" w="sm" len="sm"/>
+            </a:ln>
+          </p:spPr>
+          <p:txBody>
+            <a:bodyPr spcFirstLastPara="1" wrap="square" lIns="91425" tIns="91425" rIns="91425" bIns="91425" anchor="ctr" anchorCtr="0">
+              <a:noAutofit/>
+            </a:bodyPr>
+            <a:lstStyle/>
+            <a:p>
+              <a:pPr marL="0" lvl="0" indent="0" algn="l" rtl="0">
+                <a:spcBef>
+                  <a:spcPts val="0"/>
+                </a:spcBef>
+                <a:spcAft>
+                  <a:spcPts val="0"/>
+                </a:spcAft>
+                <a:buNone/>
+              </a:pPr>
+              <a:endParaRPr/>
+            </a:p>
+          </p:txBody>
+        </p:sp>
+        <p:sp>
+          <p:nvSpPr>
+            <p:cNvPr id="6" name="Google Shape;70;p14">
+              <a:extLst>
+                <a:ext uri="{FF2B5EF4-FFF2-40B4-BE49-F238E27FC236}">
+                  <a16:creationId xmlns:a16="http://schemas.microsoft.com/office/drawing/2014/main" id="{BEA67B31-5C99-4D26-86EC-E350599260F3}"/>
+                </a:ext>
+              </a:extLst>
+            </p:cNvPr>
+            <p:cNvSpPr/>
+            <p:nvPr/>
+          </p:nvSpPr>
+          <p:spPr>
+            <a:xfrm>
+              <a:off x="2201500" y="2267500"/>
+              <a:ext cx="3563100" cy="412200"/>
+            </a:xfrm>
+            <a:prstGeom prst="rect">
+              <a:avLst/>
+            </a:prstGeom>
+            <a:solidFill>
+              <a:schemeClr val="lt1"/>
+            </a:solidFill>
+            <a:ln w="19050" cap="flat" cmpd="sng">
+              <a:solidFill>
+                <a:schemeClr val="dk1"/>
+              </a:solidFill>
+              <a:prstDash val="solid"/>
+              <a:round/>
+              <a:headEnd type="none" w="sm" len="sm"/>
+              <a:tailEnd type="none" w="sm" len="sm"/>
+            </a:ln>
+          </p:spPr>
+          <p:txBody>
+            <a:bodyPr spcFirstLastPara="1" wrap="square" lIns="91425" tIns="91425" rIns="91425" bIns="91425" anchor="ctr" anchorCtr="0">
+              <a:noAutofit/>
+            </a:bodyPr>
+            <a:lstStyle/>
+            <a:p>
+              <a:pPr algn="ctr"/>
+              <a:r>
+                <a:rPr lang="en-US" altLang="zh-CN" b="1" dirty="0" err="1"/>
+                <a:t>LoginSystem</a:t>
+              </a:r>
+              <a:r>
+                <a:rPr lang="en" b="1" dirty="0"/>
+                <a:t> (Use-case)</a:t>
+              </a:r>
+              <a:endParaRPr lang="en-US" dirty="0"/>
+            </a:p>
+          </p:txBody>
+        </p:sp>
+        <p:sp>
+          <p:nvSpPr>
+            <p:cNvPr id="7" name="Google Shape;71;p14">
+              <a:extLst>
+                <a:ext uri="{FF2B5EF4-FFF2-40B4-BE49-F238E27FC236}">
+                  <a16:creationId xmlns:a16="http://schemas.microsoft.com/office/drawing/2014/main" id="{48362324-DC80-421A-95C7-2EF9F444D63A}"/>
+                </a:ext>
+              </a:extLst>
+            </p:cNvPr>
+            <p:cNvSpPr/>
+            <p:nvPr/>
+          </p:nvSpPr>
+          <p:spPr>
+            <a:xfrm>
+              <a:off x="4453900" y="2267500"/>
+              <a:ext cx="1310700" cy="210900"/>
+            </a:xfrm>
+            <a:prstGeom prst="rect">
+              <a:avLst/>
+            </a:prstGeom>
+            <a:noFill/>
+            <a:ln>
+              <a:noFill/>
+            </a:ln>
+          </p:spPr>
+          <p:txBody>
+            <a:bodyPr spcFirstLastPara="1" wrap="square" lIns="91425" tIns="91425" rIns="91425" bIns="91425" anchor="ctr" anchorCtr="0">
+              <a:noAutofit/>
+            </a:bodyPr>
+            <a:lstStyle/>
+            <a:p>
+              <a:pPr marL="0" lvl="0" indent="0" algn="r" rtl="0">
+                <a:spcBef>
+                  <a:spcPts val="0"/>
+                </a:spcBef>
+                <a:spcAft>
+                  <a:spcPts val="0"/>
+                </a:spcAft>
+                <a:buNone/>
+              </a:pPr>
+              <a:endParaRPr sz="1100" b="1"/>
+            </a:p>
+          </p:txBody>
+        </p:sp>
+        <p:sp>
+          <p:nvSpPr>
+            <p:cNvPr id="8" name="Google Shape;72;p14">
+              <a:extLst>
+                <a:ext uri="{FF2B5EF4-FFF2-40B4-BE49-F238E27FC236}">
+                  <a16:creationId xmlns:a16="http://schemas.microsoft.com/office/drawing/2014/main" id="{B02A8B0E-EB6C-41AF-A2E2-3DEF5819A161}"/>
+                </a:ext>
+              </a:extLst>
+            </p:cNvPr>
+            <p:cNvSpPr/>
+            <p:nvPr/>
+          </p:nvSpPr>
+          <p:spPr>
+            <a:xfrm>
+              <a:off x="4453900" y="2468800"/>
+              <a:ext cx="1310700" cy="210900"/>
+            </a:xfrm>
+            <a:prstGeom prst="rect">
+              <a:avLst/>
+            </a:prstGeom>
+            <a:noFill/>
+            <a:ln>
+              <a:noFill/>
+            </a:ln>
+          </p:spPr>
+          <p:txBody>
+            <a:bodyPr spcFirstLastPara="1" wrap="square" lIns="91425" tIns="91425" rIns="91425" bIns="91425" anchor="ctr" anchorCtr="0">
+              <a:noAutofit/>
+            </a:bodyPr>
+            <a:lstStyle/>
+            <a:p>
+              <a:pPr marL="0" lvl="0" indent="0" algn="r" rtl="0">
+                <a:spcBef>
+                  <a:spcPts val="0"/>
+                </a:spcBef>
+                <a:spcAft>
+                  <a:spcPts val="0"/>
+                </a:spcAft>
+                <a:buNone/>
+              </a:pPr>
+              <a:endParaRPr sz="1100" b="1"/>
+            </a:p>
+          </p:txBody>
+        </p:sp>
+        <p:sp>
+          <p:nvSpPr>
+            <p:cNvPr id="9" name="Google Shape;73;p14">
+              <a:extLst>
+                <a:ext uri="{FF2B5EF4-FFF2-40B4-BE49-F238E27FC236}">
+                  <a16:creationId xmlns:a16="http://schemas.microsoft.com/office/drawing/2014/main" id="{6C5C0EBC-DAAA-4004-80D8-E1254D929744}"/>
+                </a:ext>
+              </a:extLst>
+            </p:cNvPr>
+            <p:cNvSpPr/>
+            <p:nvPr/>
+          </p:nvSpPr>
+          <p:spPr>
+            <a:xfrm>
+              <a:off x="2201300" y="2679700"/>
+              <a:ext cx="2252400" cy="1570500"/>
+            </a:xfrm>
+            <a:prstGeom prst="rect">
+              <a:avLst/>
+            </a:prstGeom>
+            <a:solidFill>
+              <a:schemeClr val="lt1"/>
+            </a:solidFill>
+            <a:ln w="19050" cap="flat" cmpd="sng">
+              <a:solidFill>
+                <a:schemeClr val="dk1"/>
+              </a:solidFill>
+              <a:prstDash val="solid"/>
+              <a:round/>
+              <a:headEnd type="none" w="sm" len="sm"/>
+              <a:tailEnd type="none" w="sm" len="sm"/>
+            </a:ln>
+          </p:spPr>
+          <p:txBody>
+            <a:bodyPr spcFirstLastPara="1" wrap="square" lIns="91425" tIns="91425" rIns="91425" bIns="91425" anchor="t" anchorCtr="0">
+              <a:noAutofit/>
+            </a:bodyPr>
+            <a:lstStyle/>
+            <a:p>
+              <a:pPr marL="74295">
+                <a:buSzPts val="1000"/>
+              </a:pPr>
+              <a:endParaRPr lang="en" sz="1000" dirty="0"/>
+            </a:p>
+            <a:p>
+              <a:pPr marL="182880" indent="-108585">
+                <a:buSzPts val="1000"/>
+                <a:buFont typeface="Arial,Sans-Serif"/>
+                <a:buChar char="●"/>
+              </a:pPr>
+              <a:r>
+                <a:rPr lang="en-US" sz="1000" dirty="0"/>
+                <a:t>Check if the user exists in users.csv</a:t>
+              </a:r>
+            </a:p>
+            <a:p>
+              <a:pPr marL="182880" indent="-108585">
+                <a:buSzPts val="1000"/>
+                <a:buFont typeface="Arial,Sans-Serif"/>
+                <a:buChar char="●"/>
+              </a:pPr>
+              <a:r>
+                <a:rPr lang="en-US" sz="1000" dirty="0"/>
+                <a:t>Check if the username matches the password in users.csv</a:t>
+              </a:r>
+            </a:p>
+            <a:p>
+              <a:pPr marL="182880" indent="-108585">
+                <a:buSzPts val="1000"/>
+                <a:buFont typeface="Arial,Sans-Serif"/>
+                <a:buChar char="●"/>
+              </a:pPr>
+              <a:r>
+                <a:rPr lang="en"/>
+                <a:t>Add user to users.csv</a:t>
+              </a:r>
+              <a:endParaRPr lang="en" dirty="0"/>
+            </a:p>
+            <a:p>
+              <a:pPr marL="182880" indent="-108585">
+                <a:buSzPts val="1000"/>
+                <a:buChar char="●"/>
+              </a:pPr>
+              <a:endParaRPr lang="en" sz="1000" dirty="0"/>
+            </a:p>
+          </p:txBody>
+        </p:sp>
+        <p:sp>
+          <p:nvSpPr>
+            <p:cNvPr id="10" name="Google Shape;74;p14">
+              <a:extLst>
+                <a:ext uri="{FF2B5EF4-FFF2-40B4-BE49-F238E27FC236}">
+                  <a16:creationId xmlns:a16="http://schemas.microsoft.com/office/drawing/2014/main" id="{BDA416A5-FFFC-46A5-BDD0-9ACF79B3B61B}"/>
+                </a:ext>
+              </a:extLst>
+            </p:cNvPr>
+            <p:cNvSpPr/>
+            <p:nvPr/>
+          </p:nvSpPr>
+          <p:spPr>
+            <a:xfrm>
+              <a:off x="4453800" y="2679700"/>
+              <a:ext cx="1310700" cy="1570500"/>
+            </a:xfrm>
+            <a:prstGeom prst="rect">
+              <a:avLst/>
+            </a:prstGeom>
+            <a:solidFill>
+              <a:schemeClr val="lt1"/>
+            </a:solidFill>
+            <a:ln w="19050" cap="flat" cmpd="sng">
+              <a:solidFill>
+                <a:schemeClr val="dk1"/>
+              </a:solidFill>
+              <a:prstDash val="solid"/>
+              <a:round/>
+              <a:headEnd type="none" w="sm" len="sm"/>
+              <a:tailEnd type="none" w="sm" len="sm"/>
+            </a:ln>
+          </p:spPr>
+          <p:txBody>
+            <a:bodyPr spcFirstLastPara="1" wrap="square" lIns="91425" tIns="91425" rIns="91425" bIns="91425" anchor="t" anchorCtr="0">
+              <a:noAutofit/>
+            </a:bodyPr>
+            <a:lstStyle/>
+            <a:p>
+              <a:pPr marL="0" lvl="0" indent="0" algn="l">
+                <a:spcBef>
+                  <a:spcPts val="0"/>
+                </a:spcBef>
+                <a:spcAft>
+                  <a:spcPts val="0"/>
+                </a:spcAft>
+                <a:buNone/>
+              </a:pPr>
+              <a:endParaRPr lang="en" sz="1200" dirty="0"/>
+            </a:p>
+          </p:txBody>
+        </p:sp>
+      </p:grpSp>
+    </p:spTree>
+    <p:extLst>
+      <p:ext uri="{BB962C8B-B14F-4D97-AF65-F5344CB8AC3E}">
+        <p14:creationId xmlns:p14="http://schemas.microsoft.com/office/powerpoint/2010/main" val="3379929428"/>
+      </p:ext>
+    </p:extLst>
+  </p:cSld>
+  <p:clrMapOvr>
+    <a:masterClrMapping/>
+  </p:clrMapOvr>
+</p:sld>
+</file>
+
+<file path=ppt/slides/slide17.xml><?xml version="1.0" encoding="utf-8"?>
+<p:sld xmlns:a="http://schemas.openxmlformats.org/drawingml/2006/main" xmlns:r="http://schemas.openxmlformats.org/officeDocument/2006/relationships" xmlns:p="http://schemas.openxmlformats.org/presentationml/2006/main">
+  <p:cSld>
+    <p:spTree>
+      <p:nvGrpSpPr>
+        <p:cNvPr id="1" name=""/>
+        <p:cNvGrpSpPr/>
+        <p:nvPr/>
+      </p:nvGrpSpPr>
+      <p:grpSpPr>
+        <a:xfrm>
+          <a:off x="0" y="0"/>
+          <a:ext cx="0" cy="0"/>
+          <a:chOff x="0" y="0"/>
+          <a:chExt cx="0" cy="0"/>
+        </a:xfrm>
+      </p:grpSpPr>
       <p:grpSp>
         <p:nvGrpSpPr>
           <p:cNvPr id="11" name="Google Shape;68;p14">
@@ -9490,7 +9925,7 @@
                 <a:buSzPts val="1000"/>
                 <a:buChar char="●"/>
               </a:pPr>
-              <a:endParaRPr lang="en" sz="1000"/>
+              <a:endParaRPr lang="en" sz="1000" dirty="0"/>
             </a:p>
             <a:p>
               <a:pPr marL="182880" indent="-108585">
@@ -9498,24 +9933,8 @@
                 <a:buChar char="●"/>
               </a:pPr>
               <a:r>
-                <a:rPr lang="en" sz="1000"/>
-                <a:t>Contains a </a:t>
-              </a:r>
-              <a:r>
-                <a:rPr lang="en" sz="1000" err="1"/>
-                <a:t>Hashmap</a:t>
-              </a:r>
-              <a:r>
-                <a:rPr lang="en" sz="1000"/>
-                <a:t> &lt;Customer, </a:t>
-              </a:r>
-              <a:r>
-                <a:rPr lang="en" sz="1000" err="1"/>
-                <a:t>PurchaseHistory</a:t>
-              </a:r>
-              <a:r>
-                <a:rPr lang="en" sz="1000"/>
-                <a:t>&gt; that shows all information of the purchase history of all customers.</a:t>
+                <a:rPr lang="en" sz="1000" dirty="0"/>
+                <a:t>Contains a Hashmap &lt;Customer, PurchaseHistory&gt; that shows all information of the purchase history of all customers.</a:t>
               </a:r>
             </a:p>
             <a:p>
@@ -9524,7 +9943,7 @@
                 <a:buChar char="●"/>
               </a:pPr>
               <a:r>
-                <a:rPr lang="en" sz="1000"/>
+                <a:rPr lang="en" sz="1000" dirty="0"/>
                 <a:t>Update this map when a customer's purchase history is changed.</a:t>
               </a:r>
             </a:p>
@@ -9534,14 +9953,9 @@
                 <a:buChar char="●"/>
               </a:pPr>
               <a:r>
-                <a:rPr lang="en" sz="1000"/>
-                <a:t>Return the tickets in the purchase history of a customer stored in the </a:t>
-              </a:r>
-              <a:r>
-                <a:rPr lang="en" sz="1000" err="1"/>
-                <a:t>hashmap</a:t>
-              </a:r>
-              <a:endParaRPr lang="en" sz="1000"/>
+                <a:rPr lang="en" sz="1000" dirty="0"/>
+                <a:t>Return the tickets in the purchase history of a customer stored in the hashmap</a:t>
+              </a:r>
             </a:p>
             <a:p>
               <a:pPr marL="182880" indent="-108585">
@@ -9549,19 +9963,15 @@
                 <a:buChar char="●"/>
               </a:pPr>
               <a:r>
-                <a:rPr lang="en" sz="1000"/>
-                <a:t>Return the items redeemed by a customer from his/her purchase history stored in the </a:t>
-              </a:r>
-              <a:r>
-                <a:rPr lang="en" sz="1000" err="1"/>
-                <a:t>hashmap</a:t>
+                <a:rPr lang="en" sz="1000" dirty="0"/>
+                <a:t>Return the items redeemed by a customer from his/her purchase history stored in the hashmap</a:t>
               </a:r>
             </a:p>
             <a:p>
               <a:pPr marL="74295">
                 <a:buSzPts val="1000"/>
               </a:pPr>
-              <a:endParaRPr lang="en-US" sz="1000"/>
+              <a:endParaRPr lang="en-US" sz="1000" dirty="0"/>
             </a:p>
           </p:txBody>
         </p:sp>
@@ -9646,7 +10056,7 @@
 </p:sld>
 </file>
 
-<file path=ppt/slides/slide17.xml><?xml version="1.0" encoding="utf-8"?>
+<file path=ppt/slides/slide18.xml><?xml version="1.0" encoding="utf-8"?>
 <p:sld xmlns:a="http://schemas.openxmlformats.org/drawingml/2006/main" xmlns:r="http://schemas.openxmlformats.org/officeDocument/2006/relationships" xmlns:p="http://schemas.openxmlformats.org/presentationml/2006/main">
   <p:cSld>
     <p:spTree>
@@ -10030,7 +10440,7 @@
 </p:sld>
 </file>
 
-<file path=ppt/slides/slide18.xml><?xml version="1.0" encoding="utf-8"?>
+<file path=ppt/slides/slide19.xml><?xml version="1.0" encoding="utf-8"?>
 <p:sld xmlns:a="http://schemas.openxmlformats.org/drawingml/2006/main" xmlns:r="http://schemas.openxmlformats.org/officeDocument/2006/relationships" xmlns:p="http://schemas.openxmlformats.org/presentationml/2006/main">
   <p:cSld>
     <p:spTree>
@@ -10494,406 +10904,6 @@
     <p:extLst>
       <p:ext uri="{BB962C8B-B14F-4D97-AF65-F5344CB8AC3E}">
         <p14:creationId xmlns:p14="http://schemas.microsoft.com/office/powerpoint/2010/main" val="2272858138"/>
-      </p:ext>
-    </p:extLst>
-  </p:cSld>
-  <p:clrMapOvr>
-    <a:masterClrMapping/>
-  </p:clrMapOvr>
-</p:sld>
-</file>
-
-<file path=ppt/slides/slide19.xml><?xml version="1.0" encoding="utf-8"?>
-<p:sld xmlns:a="http://schemas.openxmlformats.org/drawingml/2006/main" xmlns:r="http://schemas.openxmlformats.org/officeDocument/2006/relationships" xmlns:p="http://schemas.openxmlformats.org/presentationml/2006/main">
-  <p:cSld>
-    <p:spTree>
-      <p:nvGrpSpPr>
-        <p:cNvPr id="1" name=""/>
-        <p:cNvGrpSpPr/>
-        <p:nvPr/>
-      </p:nvGrpSpPr>
-      <p:grpSpPr>
-        <a:xfrm>
-          <a:off x="0" y="0"/>
-          <a:ext cx="0" cy="0"/>
-          <a:chOff x="0" y="0"/>
-          <a:chExt cx="0" cy="0"/>
-        </a:xfrm>
-      </p:grpSpPr>
-      <p:grpSp>
-        <p:nvGrpSpPr>
-          <p:cNvPr id="11" name="Google Shape;68;p14">
-            <a:extLst>
-              <a:ext uri="{FF2B5EF4-FFF2-40B4-BE49-F238E27FC236}">
-                <a16:creationId xmlns:a16="http://schemas.microsoft.com/office/drawing/2014/main" id="{0C727664-5D1A-4CF7-BAB9-962E725ACE02}"/>
-              </a:ext>
-            </a:extLst>
-          </p:cNvPr>
-          <p:cNvGrpSpPr/>
-          <p:nvPr/>
-        </p:nvGrpSpPr>
-        <p:grpSpPr>
-          <a:xfrm>
-            <a:off x="441604" y="496272"/>
-            <a:ext cx="7461925" cy="3672333"/>
-            <a:chOff x="2201500" y="2267500"/>
-            <a:chExt cx="3563100" cy="1982700"/>
-          </a:xfrm>
-        </p:grpSpPr>
-        <p:sp>
-          <p:nvSpPr>
-            <p:cNvPr id="5" name="Google Shape;69;p14">
-              <a:extLst>
-                <a:ext uri="{FF2B5EF4-FFF2-40B4-BE49-F238E27FC236}">
-                  <a16:creationId xmlns:a16="http://schemas.microsoft.com/office/drawing/2014/main" id="{85F8F4C7-C660-441A-8466-A7DE054EECED}"/>
-                </a:ext>
-              </a:extLst>
-            </p:cNvPr>
-            <p:cNvSpPr/>
-            <p:nvPr/>
-          </p:nvSpPr>
-          <p:spPr>
-            <a:xfrm>
-              <a:off x="2201500" y="2267500"/>
-              <a:ext cx="3563100" cy="1982700"/>
-            </a:xfrm>
-            <a:prstGeom prst="rect">
-              <a:avLst/>
-            </a:prstGeom>
-            <a:solidFill>
-              <a:schemeClr val="lt1"/>
-            </a:solidFill>
-            <a:ln w="28575" cap="flat" cmpd="sng">
-              <a:solidFill>
-                <a:schemeClr val="dk1"/>
-              </a:solidFill>
-              <a:prstDash val="solid"/>
-              <a:round/>
-              <a:headEnd type="none" w="sm" len="sm"/>
-              <a:tailEnd type="none" w="sm" len="sm"/>
-            </a:ln>
-          </p:spPr>
-          <p:txBody>
-            <a:bodyPr spcFirstLastPara="1" wrap="square" lIns="91425" tIns="91425" rIns="91425" bIns="91425" anchor="ctr" anchorCtr="0">
-              <a:noAutofit/>
-            </a:bodyPr>
-            <a:lstStyle/>
-            <a:p>
-              <a:pPr marL="0" lvl="0" indent="0" algn="l" rtl="0">
-                <a:spcBef>
-                  <a:spcPts val="0"/>
-                </a:spcBef>
-                <a:spcAft>
-                  <a:spcPts val="0"/>
-                </a:spcAft>
-                <a:buNone/>
-              </a:pPr>
-              <a:endParaRPr/>
-            </a:p>
-          </p:txBody>
-        </p:sp>
-        <p:sp>
-          <p:nvSpPr>
-            <p:cNvPr id="6" name="Google Shape;70;p14">
-              <a:extLst>
-                <a:ext uri="{FF2B5EF4-FFF2-40B4-BE49-F238E27FC236}">
-                  <a16:creationId xmlns:a16="http://schemas.microsoft.com/office/drawing/2014/main" id="{A214B1CF-25D6-47DA-8037-FC7D22B6ECF3}"/>
-                </a:ext>
-              </a:extLst>
-            </p:cNvPr>
-            <p:cNvSpPr/>
-            <p:nvPr/>
-          </p:nvSpPr>
-          <p:spPr>
-            <a:xfrm>
-              <a:off x="2201500" y="2267500"/>
-              <a:ext cx="3563100" cy="412200"/>
-            </a:xfrm>
-            <a:prstGeom prst="rect">
-              <a:avLst/>
-            </a:prstGeom>
-            <a:solidFill>
-              <a:schemeClr val="lt1"/>
-            </a:solidFill>
-            <a:ln w="19050" cap="flat" cmpd="sng">
-              <a:solidFill>
-                <a:schemeClr val="dk1"/>
-              </a:solidFill>
-              <a:prstDash val="solid"/>
-              <a:round/>
-              <a:headEnd type="none" w="sm" len="sm"/>
-              <a:tailEnd type="none" w="sm" len="sm"/>
-            </a:ln>
-          </p:spPr>
-          <p:txBody>
-            <a:bodyPr spcFirstLastPara="1" wrap="square" lIns="91425" tIns="91425" rIns="91425" bIns="91425" anchor="ctr" anchorCtr="0">
-              <a:noAutofit/>
-            </a:bodyPr>
-            <a:lstStyle/>
-            <a:p>
-              <a:pPr algn="ctr"/>
-              <a:endParaRPr lang="en" b="1"/>
-            </a:p>
-            <a:p>
-              <a:pPr algn="ctr"/>
-              <a:r>
-                <a:rPr lang="en" b="1"/>
-                <a:t>Controller</a:t>
-              </a:r>
-              <a:endParaRPr lang="en-US"/>
-            </a:p>
-          </p:txBody>
-        </p:sp>
-        <p:sp>
-          <p:nvSpPr>
-            <p:cNvPr id="7" name="Google Shape;71;p14">
-              <a:extLst>
-                <a:ext uri="{FF2B5EF4-FFF2-40B4-BE49-F238E27FC236}">
-                  <a16:creationId xmlns:a16="http://schemas.microsoft.com/office/drawing/2014/main" id="{6FB135A9-4157-44C4-8936-26C3ED511F80}"/>
-                </a:ext>
-              </a:extLst>
-            </p:cNvPr>
-            <p:cNvSpPr/>
-            <p:nvPr/>
-          </p:nvSpPr>
-          <p:spPr>
-            <a:xfrm>
-              <a:off x="4453900" y="2267500"/>
-              <a:ext cx="1310700" cy="210900"/>
-            </a:xfrm>
-            <a:prstGeom prst="rect">
-              <a:avLst/>
-            </a:prstGeom>
-            <a:noFill/>
-            <a:ln>
-              <a:noFill/>
-            </a:ln>
-          </p:spPr>
-          <p:txBody>
-            <a:bodyPr spcFirstLastPara="1" wrap="square" lIns="91425" tIns="91425" rIns="91425" bIns="91425" anchor="ctr" anchorCtr="0">
-              <a:noAutofit/>
-            </a:bodyPr>
-            <a:lstStyle/>
-            <a:p>
-              <a:pPr marL="0" lvl="0" indent="0" algn="r" rtl="0">
-                <a:spcBef>
-                  <a:spcPts val="0"/>
-                </a:spcBef>
-                <a:spcAft>
-                  <a:spcPts val="0"/>
-                </a:spcAft>
-                <a:buNone/>
-              </a:pPr>
-              <a:endParaRPr sz="1100" b="1"/>
-            </a:p>
-          </p:txBody>
-        </p:sp>
-        <p:sp>
-          <p:nvSpPr>
-            <p:cNvPr id="8" name="Google Shape;72;p14">
-              <a:extLst>
-                <a:ext uri="{FF2B5EF4-FFF2-40B4-BE49-F238E27FC236}">
-                  <a16:creationId xmlns:a16="http://schemas.microsoft.com/office/drawing/2014/main" id="{2814B417-C1C3-44F2-8C34-EA726C00B8FF}"/>
-                </a:ext>
-              </a:extLst>
-            </p:cNvPr>
-            <p:cNvSpPr/>
-            <p:nvPr/>
-          </p:nvSpPr>
-          <p:spPr>
-            <a:xfrm>
-              <a:off x="4453900" y="2468800"/>
-              <a:ext cx="1310700" cy="210900"/>
-            </a:xfrm>
-            <a:prstGeom prst="rect">
-              <a:avLst/>
-            </a:prstGeom>
-            <a:noFill/>
-            <a:ln>
-              <a:noFill/>
-            </a:ln>
-          </p:spPr>
-          <p:txBody>
-            <a:bodyPr spcFirstLastPara="1" wrap="square" lIns="91425" tIns="91425" rIns="91425" bIns="91425" anchor="ctr" anchorCtr="0">
-              <a:noAutofit/>
-            </a:bodyPr>
-            <a:lstStyle/>
-            <a:p>
-              <a:pPr marL="0" lvl="0" indent="0" algn="r" rtl="0">
-                <a:spcBef>
-                  <a:spcPts val="0"/>
-                </a:spcBef>
-                <a:spcAft>
-                  <a:spcPts val="0"/>
-                </a:spcAft>
-                <a:buNone/>
-              </a:pPr>
-              <a:endParaRPr sz="1100" b="1"/>
-            </a:p>
-          </p:txBody>
-        </p:sp>
-        <p:sp>
-          <p:nvSpPr>
-            <p:cNvPr id="9" name="Google Shape;73;p14">
-              <a:extLst>
-                <a:ext uri="{FF2B5EF4-FFF2-40B4-BE49-F238E27FC236}">
-                  <a16:creationId xmlns:a16="http://schemas.microsoft.com/office/drawing/2014/main" id="{F51284F2-0BC6-4C5A-9415-1A6F93BF69F7}"/>
-                </a:ext>
-              </a:extLst>
-            </p:cNvPr>
-            <p:cNvSpPr/>
-            <p:nvPr/>
-          </p:nvSpPr>
-          <p:spPr>
-            <a:xfrm>
-              <a:off x="2201500" y="2679700"/>
-              <a:ext cx="2252400" cy="1570500"/>
-            </a:xfrm>
-            <a:prstGeom prst="rect">
-              <a:avLst/>
-            </a:prstGeom>
-            <a:solidFill>
-              <a:schemeClr val="lt1"/>
-            </a:solidFill>
-            <a:ln w="19050" cap="flat" cmpd="sng">
-              <a:solidFill>
-                <a:schemeClr val="dk1"/>
-              </a:solidFill>
-              <a:prstDash val="solid"/>
-              <a:round/>
-              <a:headEnd type="none" w="sm" len="sm"/>
-              <a:tailEnd type="none" w="sm" len="sm"/>
-            </a:ln>
-          </p:spPr>
-          <p:txBody>
-            <a:bodyPr spcFirstLastPara="1" wrap="square" lIns="91425" tIns="91425" rIns="91425" bIns="91425" anchor="t" anchorCtr="0">
-              <a:noAutofit/>
-            </a:bodyPr>
-            <a:lstStyle/>
-            <a:p>
-              <a:pPr marL="74295">
-                <a:buSzPts val="1000"/>
-              </a:pPr>
-              <a:endParaRPr lang="en" sz="1000"/>
-            </a:p>
-            <a:p>
-              <a:pPr marL="182880" indent="-108585">
-                <a:buSzPts val="1000"/>
-                <a:buFont typeface="Arial,Sans-Serif"/>
-                <a:buChar char="●"/>
-              </a:pPr>
-              <a:r>
-                <a:rPr lang="en" sz="1000"/>
-                <a:t>Deserialize all required managers.( so that previous state of these managers are restored)</a:t>
-              </a:r>
-              <a:endParaRPr lang="en-US" sz="1000"/>
-            </a:p>
-            <a:p>
-              <a:pPr marL="182880" indent="-108585">
-                <a:buSzPts val="1000"/>
-                <a:buFont typeface="Arial,Sans-Serif"/>
-                <a:buChar char="●"/>
-              </a:pPr>
-              <a:endParaRPr lang="en" sz="1000"/>
-            </a:p>
-            <a:p>
-              <a:pPr marL="182880" indent="-108585">
-                <a:buSzPts val="1000"/>
-                <a:buChar char="●"/>
-              </a:pPr>
-              <a:r>
-                <a:rPr lang="en" sz="1000"/>
-                <a:t>Execute GUI with these restored managers as inputs.</a:t>
-              </a:r>
-            </a:p>
-          </p:txBody>
-        </p:sp>
-        <p:sp>
-          <p:nvSpPr>
-            <p:cNvPr id="10" name="Google Shape;74;p14">
-              <a:extLst>
-                <a:ext uri="{FF2B5EF4-FFF2-40B4-BE49-F238E27FC236}">
-                  <a16:creationId xmlns:a16="http://schemas.microsoft.com/office/drawing/2014/main" id="{3376477F-022D-4953-A030-090D3597A538}"/>
-                </a:ext>
-              </a:extLst>
-            </p:cNvPr>
-            <p:cNvSpPr/>
-            <p:nvPr/>
-          </p:nvSpPr>
-          <p:spPr>
-            <a:xfrm>
-              <a:off x="4453800" y="2679700"/>
-              <a:ext cx="1310700" cy="1570500"/>
-            </a:xfrm>
-            <a:prstGeom prst="rect">
-              <a:avLst/>
-            </a:prstGeom>
-            <a:solidFill>
-              <a:schemeClr val="lt1"/>
-            </a:solidFill>
-            <a:ln w="19050" cap="flat" cmpd="sng">
-              <a:solidFill>
-                <a:schemeClr val="dk1"/>
-              </a:solidFill>
-              <a:prstDash val="solid"/>
-              <a:round/>
-              <a:headEnd type="none" w="sm" len="sm"/>
-              <a:tailEnd type="none" w="sm" len="sm"/>
-            </a:ln>
-          </p:spPr>
-          <p:txBody>
-            <a:bodyPr spcFirstLastPara="1" wrap="square" lIns="91425" tIns="91425" rIns="91425" bIns="91425" anchor="t" anchorCtr="0">
-              <a:noAutofit/>
-            </a:bodyPr>
-            <a:lstStyle/>
-            <a:p>
-              <a:r>
-                <a:rPr lang="en-US" err="1"/>
-                <a:t>FlightManager</a:t>
-              </a:r>
-              <a:endParaRPr lang="en-US"/>
-            </a:p>
-            <a:p>
-              <a:r>
-                <a:rPr lang="en-US" err="1"/>
-                <a:t>TicketManager</a:t>
-              </a:r>
-              <a:endParaRPr lang="en-US"/>
-            </a:p>
-            <a:p>
-              <a:r>
-                <a:rPr lang="en-US" err="1"/>
-                <a:t>CustomerManager</a:t>
-              </a:r>
-              <a:endParaRPr lang="en-US"/>
-            </a:p>
-            <a:p>
-              <a:r>
-                <a:rPr lang="af-ZA"/>
-                <a:t>PriceCalculator</a:t>
-              </a:r>
-              <a:endParaRPr lang="en-US"/>
-            </a:p>
-            <a:p>
-              <a:r>
-                <a:rPr lang="en-US" err="1"/>
-                <a:t>PHManager</a:t>
-              </a:r>
-              <a:endParaRPr lang="en-US"/>
-            </a:p>
-            <a:p>
-              <a:r>
-                <a:rPr lang="en-US"/>
-                <a:t>GUI</a:t>
-              </a:r>
-            </a:p>
-          </p:txBody>
-        </p:sp>
-      </p:grpSp>
-    </p:spTree>
-    <p:extLst>
-      <p:ext uri="{BB962C8B-B14F-4D97-AF65-F5344CB8AC3E}">
-        <p14:creationId xmlns:p14="http://schemas.microsoft.com/office/powerpoint/2010/main" val="3894422614"/>
       </p:ext>
     </p:extLst>
   </p:cSld>
@@ -11513,6 +11523,406 @@
           <a:chExt cx="0" cy="0"/>
         </a:xfrm>
       </p:grpSpPr>
+      <p:grpSp>
+        <p:nvGrpSpPr>
+          <p:cNvPr id="11" name="Google Shape;68;p14">
+            <a:extLst>
+              <a:ext uri="{FF2B5EF4-FFF2-40B4-BE49-F238E27FC236}">
+                <a16:creationId xmlns:a16="http://schemas.microsoft.com/office/drawing/2014/main" id="{0C727664-5D1A-4CF7-BAB9-962E725ACE02}"/>
+              </a:ext>
+            </a:extLst>
+          </p:cNvPr>
+          <p:cNvGrpSpPr/>
+          <p:nvPr/>
+        </p:nvGrpSpPr>
+        <p:grpSpPr>
+          <a:xfrm>
+            <a:off x="441604" y="496272"/>
+            <a:ext cx="7461925" cy="3672333"/>
+            <a:chOff x="2201500" y="2267500"/>
+            <a:chExt cx="3563100" cy="1982700"/>
+          </a:xfrm>
+        </p:grpSpPr>
+        <p:sp>
+          <p:nvSpPr>
+            <p:cNvPr id="5" name="Google Shape;69;p14">
+              <a:extLst>
+                <a:ext uri="{FF2B5EF4-FFF2-40B4-BE49-F238E27FC236}">
+                  <a16:creationId xmlns:a16="http://schemas.microsoft.com/office/drawing/2014/main" id="{85F8F4C7-C660-441A-8466-A7DE054EECED}"/>
+                </a:ext>
+              </a:extLst>
+            </p:cNvPr>
+            <p:cNvSpPr/>
+            <p:nvPr/>
+          </p:nvSpPr>
+          <p:spPr>
+            <a:xfrm>
+              <a:off x="2201500" y="2267500"/>
+              <a:ext cx="3563100" cy="1982700"/>
+            </a:xfrm>
+            <a:prstGeom prst="rect">
+              <a:avLst/>
+            </a:prstGeom>
+            <a:solidFill>
+              <a:schemeClr val="lt1"/>
+            </a:solidFill>
+            <a:ln w="28575" cap="flat" cmpd="sng">
+              <a:solidFill>
+                <a:schemeClr val="dk1"/>
+              </a:solidFill>
+              <a:prstDash val="solid"/>
+              <a:round/>
+              <a:headEnd type="none" w="sm" len="sm"/>
+              <a:tailEnd type="none" w="sm" len="sm"/>
+            </a:ln>
+          </p:spPr>
+          <p:txBody>
+            <a:bodyPr spcFirstLastPara="1" wrap="square" lIns="91425" tIns="91425" rIns="91425" bIns="91425" anchor="ctr" anchorCtr="0">
+              <a:noAutofit/>
+            </a:bodyPr>
+            <a:lstStyle/>
+            <a:p>
+              <a:pPr marL="0" lvl="0" indent="0" algn="l" rtl="0">
+                <a:spcBef>
+                  <a:spcPts val="0"/>
+                </a:spcBef>
+                <a:spcAft>
+                  <a:spcPts val="0"/>
+                </a:spcAft>
+                <a:buNone/>
+              </a:pPr>
+              <a:endParaRPr/>
+            </a:p>
+          </p:txBody>
+        </p:sp>
+        <p:sp>
+          <p:nvSpPr>
+            <p:cNvPr id="6" name="Google Shape;70;p14">
+              <a:extLst>
+                <a:ext uri="{FF2B5EF4-FFF2-40B4-BE49-F238E27FC236}">
+                  <a16:creationId xmlns:a16="http://schemas.microsoft.com/office/drawing/2014/main" id="{A214B1CF-25D6-47DA-8037-FC7D22B6ECF3}"/>
+                </a:ext>
+              </a:extLst>
+            </p:cNvPr>
+            <p:cNvSpPr/>
+            <p:nvPr/>
+          </p:nvSpPr>
+          <p:spPr>
+            <a:xfrm>
+              <a:off x="2201500" y="2267500"/>
+              <a:ext cx="3563100" cy="412200"/>
+            </a:xfrm>
+            <a:prstGeom prst="rect">
+              <a:avLst/>
+            </a:prstGeom>
+            <a:solidFill>
+              <a:schemeClr val="lt1"/>
+            </a:solidFill>
+            <a:ln w="19050" cap="flat" cmpd="sng">
+              <a:solidFill>
+                <a:schemeClr val="dk1"/>
+              </a:solidFill>
+              <a:prstDash val="solid"/>
+              <a:round/>
+              <a:headEnd type="none" w="sm" len="sm"/>
+              <a:tailEnd type="none" w="sm" len="sm"/>
+            </a:ln>
+          </p:spPr>
+          <p:txBody>
+            <a:bodyPr spcFirstLastPara="1" wrap="square" lIns="91425" tIns="91425" rIns="91425" bIns="91425" anchor="ctr" anchorCtr="0">
+              <a:noAutofit/>
+            </a:bodyPr>
+            <a:lstStyle/>
+            <a:p>
+              <a:pPr algn="ctr"/>
+              <a:endParaRPr lang="en" b="1"/>
+            </a:p>
+            <a:p>
+              <a:pPr algn="ctr"/>
+              <a:r>
+                <a:rPr lang="en" b="1"/>
+                <a:t>Controller</a:t>
+              </a:r>
+              <a:endParaRPr lang="en-US"/>
+            </a:p>
+          </p:txBody>
+        </p:sp>
+        <p:sp>
+          <p:nvSpPr>
+            <p:cNvPr id="7" name="Google Shape;71;p14">
+              <a:extLst>
+                <a:ext uri="{FF2B5EF4-FFF2-40B4-BE49-F238E27FC236}">
+                  <a16:creationId xmlns:a16="http://schemas.microsoft.com/office/drawing/2014/main" id="{6FB135A9-4157-44C4-8936-26C3ED511F80}"/>
+                </a:ext>
+              </a:extLst>
+            </p:cNvPr>
+            <p:cNvSpPr/>
+            <p:nvPr/>
+          </p:nvSpPr>
+          <p:spPr>
+            <a:xfrm>
+              <a:off x="4453900" y="2267500"/>
+              <a:ext cx="1310700" cy="210900"/>
+            </a:xfrm>
+            <a:prstGeom prst="rect">
+              <a:avLst/>
+            </a:prstGeom>
+            <a:noFill/>
+            <a:ln>
+              <a:noFill/>
+            </a:ln>
+          </p:spPr>
+          <p:txBody>
+            <a:bodyPr spcFirstLastPara="1" wrap="square" lIns="91425" tIns="91425" rIns="91425" bIns="91425" anchor="ctr" anchorCtr="0">
+              <a:noAutofit/>
+            </a:bodyPr>
+            <a:lstStyle/>
+            <a:p>
+              <a:pPr marL="0" lvl="0" indent="0" algn="r" rtl="0">
+                <a:spcBef>
+                  <a:spcPts val="0"/>
+                </a:spcBef>
+                <a:spcAft>
+                  <a:spcPts val="0"/>
+                </a:spcAft>
+                <a:buNone/>
+              </a:pPr>
+              <a:endParaRPr sz="1100" b="1"/>
+            </a:p>
+          </p:txBody>
+        </p:sp>
+        <p:sp>
+          <p:nvSpPr>
+            <p:cNvPr id="8" name="Google Shape;72;p14">
+              <a:extLst>
+                <a:ext uri="{FF2B5EF4-FFF2-40B4-BE49-F238E27FC236}">
+                  <a16:creationId xmlns:a16="http://schemas.microsoft.com/office/drawing/2014/main" id="{2814B417-C1C3-44F2-8C34-EA726C00B8FF}"/>
+                </a:ext>
+              </a:extLst>
+            </p:cNvPr>
+            <p:cNvSpPr/>
+            <p:nvPr/>
+          </p:nvSpPr>
+          <p:spPr>
+            <a:xfrm>
+              <a:off x="4453900" y="2468800"/>
+              <a:ext cx="1310700" cy="210900"/>
+            </a:xfrm>
+            <a:prstGeom prst="rect">
+              <a:avLst/>
+            </a:prstGeom>
+            <a:noFill/>
+            <a:ln>
+              <a:noFill/>
+            </a:ln>
+          </p:spPr>
+          <p:txBody>
+            <a:bodyPr spcFirstLastPara="1" wrap="square" lIns="91425" tIns="91425" rIns="91425" bIns="91425" anchor="ctr" anchorCtr="0">
+              <a:noAutofit/>
+            </a:bodyPr>
+            <a:lstStyle/>
+            <a:p>
+              <a:pPr marL="0" lvl="0" indent="0" algn="r" rtl="0">
+                <a:spcBef>
+                  <a:spcPts val="0"/>
+                </a:spcBef>
+                <a:spcAft>
+                  <a:spcPts val="0"/>
+                </a:spcAft>
+                <a:buNone/>
+              </a:pPr>
+              <a:endParaRPr sz="1100" b="1"/>
+            </a:p>
+          </p:txBody>
+        </p:sp>
+        <p:sp>
+          <p:nvSpPr>
+            <p:cNvPr id="9" name="Google Shape;73;p14">
+              <a:extLst>
+                <a:ext uri="{FF2B5EF4-FFF2-40B4-BE49-F238E27FC236}">
+                  <a16:creationId xmlns:a16="http://schemas.microsoft.com/office/drawing/2014/main" id="{F51284F2-0BC6-4C5A-9415-1A6F93BF69F7}"/>
+                </a:ext>
+              </a:extLst>
+            </p:cNvPr>
+            <p:cNvSpPr/>
+            <p:nvPr/>
+          </p:nvSpPr>
+          <p:spPr>
+            <a:xfrm>
+              <a:off x="2201500" y="2679700"/>
+              <a:ext cx="2252400" cy="1570500"/>
+            </a:xfrm>
+            <a:prstGeom prst="rect">
+              <a:avLst/>
+            </a:prstGeom>
+            <a:solidFill>
+              <a:schemeClr val="lt1"/>
+            </a:solidFill>
+            <a:ln w="19050" cap="flat" cmpd="sng">
+              <a:solidFill>
+                <a:schemeClr val="dk1"/>
+              </a:solidFill>
+              <a:prstDash val="solid"/>
+              <a:round/>
+              <a:headEnd type="none" w="sm" len="sm"/>
+              <a:tailEnd type="none" w="sm" len="sm"/>
+            </a:ln>
+          </p:spPr>
+          <p:txBody>
+            <a:bodyPr spcFirstLastPara="1" wrap="square" lIns="91425" tIns="91425" rIns="91425" bIns="91425" anchor="t" anchorCtr="0">
+              <a:noAutofit/>
+            </a:bodyPr>
+            <a:lstStyle/>
+            <a:p>
+              <a:pPr marL="74295">
+                <a:buSzPts val="1000"/>
+              </a:pPr>
+              <a:endParaRPr lang="en" sz="1000"/>
+            </a:p>
+            <a:p>
+              <a:pPr marL="182880" indent="-108585">
+                <a:buSzPts val="1000"/>
+                <a:buFont typeface="Arial,Sans-Serif"/>
+                <a:buChar char="●"/>
+              </a:pPr>
+              <a:r>
+                <a:rPr lang="en" sz="1000"/>
+                <a:t>Deserialize all required managers.( so that previous state of these managers are restored)</a:t>
+              </a:r>
+              <a:endParaRPr lang="en-US" sz="1000"/>
+            </a:p>
+            <a:p>
+              <a:pPr marL="182880" indent="-108585">
+                <a:buSzPts val="1000"/>
+                <a:buFont typeface="Arial,Sans-Serif"/>
+                <a:buChar char="●"/>
+              </a:pPr>
+              <a:endParaRPr lang="en" sz="1000"/>
+            </a:p>
+            <a:p>
+              <a:pPr marL="182880" indent="-108585">
+                <a:buSzPts val="1000"/>
+                <a:buChar char="●"/>
+              </a:pPr>
+              <a:r>
+                <a:rPr lang="en" sz="1000"/>
+                <a:t>Execute GUI with these restored managers as inputs.</a:t>
+              </a:r>
+            </a:p>
+          </p:txBody>
+        </p:sp>
+        <p:sp>
+          <p:nvSpPr>
+            <p:cNvPr id="10" name="Google Shape;74;p14">
+              <a:extLst>
+                <a:ext uri="{FF2B5EF4-FFF2-40B4-BE49-F238E27FC236}">
+                  <a16:creationId xmlns:a16="http://schemas.microsoft.com/office/drawing/2014/main" id="{3376477F-022D-4953-A030-090D3597A538}"/>
+                </a:ext>
+              </a:extLst>
+            </p:cNvPr>
+            <p:cNvSpPr/>
+            <p:nvPr/>
+          </p:nvSpPr>
+          <p:spPr>
+            <a:xfrm>
+              <a:off x="4453800" y="2679700"/>
+              <a:ext cx="1310700" cy="1570500"/>
+            </a:xfrm>
+            <a:prstGeom prst="rect">
+              <a:avLst/>
+            </a:prstGeom>
+            <a:solidFill>
+              <a:schemeClr val="lt1"/>
+            </a:solidFill>
+            <a:ln w="19050" cap="flat" cmpd="sng">
+              <a:solidFill>
+                <a:schemeClr val="dk1"/>
+              </a:solidFill>
+              <a:prstDash val="solid"/>
+              <a:round/>
+              <a:headEnd type="none" w="sm" len="sm"/>
+              <a:tailEnd type="none" w="sm" len="sm"/>
+            </a:ln>
+          </p:spPr>
+          <p:txBody>
+            <a:bodyPr spcFirstLastPara="1" wrap="square" lIns="91425" tIns="91425" rIns="91425" bIns="91425" anchor="t" anchorCtr="0">
+              <a:noAutofit/>
+            </a:bodyPr>
+            <a:lstStyle/>
+            <a:p>
+              <a:r>
+                <a:rPr lang="en-US" err="1"/>
+                <a:t>FlightManager</a:t>
+              </a:r>
+              <a:endParaRPr lang="en-US"/>
+            </a:p>
+            <a:p>
+              <a:r>
+                <a:rPr lang="en-US" err="1"/>
+                <a:t>TicketManager</a:t>
+              </a:r>
+              <a:endParaRPr lang="en-US"/>
+            </a:p>
+            <a:p>
+              <a:r>
+                <a:rPr lang="en-US" err="1"/>
+                <a:t>CustomerManager</a:t>
+              </a:r>
+              <a:endParaRPr lang="en-US"/>
+            </a:p>
+            <a:p>
+              <a:r>
+                <a:rPr lang="af-ZA"/>
+                <a:t>PriceCalculator</a:t>
+              </a:r>
+              <a:endParaRPr lang="en-US"/>
+            </a:p>
+            <a:p>
+              <a:r>
+                <a:rPr lang="en-US" err="1"/>
+                <a:t>PHManager</a:t>
+              </a:r>
+              <a:endParaRPr lang="en-US"/>
+            </a:p>
+            <a:p>
+              <a:r>
+                <a:rPr lang="en-US"/>
+                <a:t>GUI</a:t>
+              </a:r>
+            </a:p>
+          </p:txBody>
+        </p:sp>
+      </p:grpSp>
+    </p:spTree>
+    <p:extLst>
+      <p:ext uri="{BB962C8B-B14F-4D97-AF65-F5344CB8AC3E}">
+        <p14:creationId xmlns:p14="http://schemas.microsoft.com/office/powerpoint/2010/main" val="3894422614"/>
+      </p:ext>
+    </p:extLst>
+  </p:cSld>
+  <p:clrMapOvr>
+    <a:masterClrMapping/>
+  </p:clrMapOvr>
+</p:sld>
+</file>
+
+<file path=ppt/slides/slide21.xml><?xml version="1.0" encoding="utf-8"?>
+<p:sld xmlns:a="http://schemas.openxmlformats.org/drawingml/2006/main" xmlns:r="http://schemas.openxmlformats.org/officeDocument/2006/relationships" xmlns:p="http://schemas.openxmlformats.org/presentationml/2006/main">
+  <p:cSld>
+    <p:spTree>
+      <p:nvGrpSpPr>
+        <p:cNvPr id="1" name=""/>
+        <p:cNvGrpSpPr/>
+        <p:nvPr/>
+      </p:nvGrpSpPr>
+      <p:grpSpPr>
+        <a:xfrm>
+          <a:off x="0" y="0"/>
+          <a:ext cx="0" cy="0"/>
+          <a:chOff x="0" y="0"/>
+          <a:chExt cx="0" cy="0"/>
+        </a:xfrm>
+      </p:grpSpPr>
       <p:sp>
         <p:nvSpPr>
           <p:cNvPr id="2" name="Title 1">
@@ -11531,7 +11941,9 @@
         </p:nvSpPr>
         <p:spPr/>
         <p:txBody>
-          <a:bodyPr/>
+          <a:bodyPr>
+            <a:normAutofit fontScale="90000"/>
+          </a:bodyPr>
           <a:lstStyle/>
           <a:p>
             <a:endParaRPr lang="en-US"/>
@@ -11994,7 +12406,7 @@
 </p:sld>
 </file>
 
-<file path=ppt/slides/slide21.xml><?xml version="1.0" encoding="utf-8"?>
+<file path=ppt/slides/slide22.xml><?xml version="1.0" encoding="utf-8"?>
 <p:sld xmlns:a="http://schemas.openxmlformats.org/drawingml/2006/main" xmlns:r="http://schemas.openxmlformats.org/officeDocument/2006/relationships" xmlns:p="http://schemas.openxmlformats.org/presentationml/2006/main">
   <p:cSld>
     <p:spTree>
@@ -12029,7 +12441,9 @@
         </p:nvSpPr>
         <p:spPr/>
         <p:txBody>
-          <a:bodyPr/>
+          <a:bodyPr>
+            <a:normAutofit fontScale="90000"/>
+          </a:bodyPr>
           <a:lstStyle/>
           <a:p>
             <a:endParaRPr lang="en-US"/>

--- a/phase1/TicketVendor CRC Cards.pptx
+++ b/phase1/TicketVendor CRC Cards.pptx
@@ -23,8 +23,8 @@
     <p:sldId id="274" r:id="rId14"/>
     <p:sldId id="266" r:id="rId15"/>
     <p:sldId id="276" r:id="rId16"/>
-    <p:sldId id="290" r:id="rId17"/>
-    <p:sldId id="285" r:id="rId18"/>
+    <p:sldId id="285" r:id="rId17"/>
+    <p:sldId id="290" r:id="rId18"/>
     <p:sldId id="280" r:id="rId19"/>
     <p:sldId id="273" r:id="rId20"/>
     <p:sldId id="275" r:id="rId21"/>
@@ -285,6 +285,7 @@
 <p1510:revInfo xmlns:a="http://schemas.openxmlformats.org/drawingml/2006/main" xmlns:r="http://schemas.openxmlformats.org/officeDocument/2006/relationships" xmlns:p1510="http://schemas.microsoft.com/office/powerpoint/2015/10/main">
   <p1510:revLst>
     <p1510:client id="{0171D527-628F-4078-CFFE-2068E047D23E}" v="171" dt="2021-10-16T21:46:46.032"/>
+    <p1510:client id="{044C7889-22FF-E39F-2F56-BDDE607451A6}" v="257" dt="2021-11-15T19:42:27.902"/>
     <p1510:client id="{0D6B45BF-81DF-24D8-4836-3C46D93DA96B}" v="54" dt="2021-10-14T17:03:30.235"/>
     <p1510:client id="{0F9787ED-2AED-8271-911D-478C391A8E69}" v="352" dt="2021-11-14T19:23:16.666"/>
     <p1510:client id="{1D88F72D-C4A1-010D-437C-191598F65E14}" v="106" dt="2021-10-15T15:37:14.407"/>
@@ -308,12 +309,18 @@
     <p1510:client id="{8E4AD813-C28D-F03F-00FF-B6172FFE0A90}" v="360" dt="2021-11-14T21:58:02.423"/>
     <p1510:client id="{9A0399A0-6A9B-9481-FD52-84EC27E54ADE}" v="856" dt="2021-10-16T20:58:19.475"/>
     <p1510:client id="{9DB0BA30-4EBF-5AF7-16C6-0BD9F47BC426}" v="215" dt="2021-10-04T19:53:16.470"/>
+    <p1510:client id="{A540610F-AC57-0E85-7BA4-62CF25D39981}" v="28" dt="2021-11-15T19:26:25.559"/>
+    <p1510:client id="{A8BFB979-955E-F69F-4281-7BBD526A120C}" v="9" dt="2021-11-15T19:24:38.660"/>
     <p1510:client id="{AEC47067-FDA2-594D-4243-33268BCB0FFC}" v="272" dt="2021-10-08T17:37:13.908"/>
+    <p1510:client id="{B067B606-66E2-947C-3A25-D7C1D21C9DFC}" v="1" dt="2021-11-15T19:23:49.675"/>
+    <p1510:client id="{B666F30F-5A63-D6E2-C75A-04E1C54232D7}" v="6" dt="2021-11-15T19:10:13.296"/>
     <p1510:client id="{BBB1016D-57A3-1072-726F-483B31EE2574}" v="213" dt="2021-10-10T18:09:45.520"/>
     <p1510:client id="{BC996EA7-6890-5DA9-FD9C-709A4C5DBF17}" v="4" dt="2021-10-14T22:38:49.913"/>
     <p1510:client id="{BE045A9C-D476-F76E-BE89-C3E6A5581FC1}" v="34" dt="2021-11-11T20:06:20.846"/>
+    <p1510:client id="{C090A510-22BE-7B9D-8F80-A73704C5E3B5}" v="30" dt="2021-11-15T19:28:41.078"/>
     <p1510:client id="{C1E01661-0B91-D394-E5BC-A548CC0FBE48}" v="5" dt="2021-10-14T20:30:56.101"/>
     <p1510:client id="{CAD0152E-CF39-160B-A9D4-C8D1A698439E}" v="18" dt="2021-10-04T19:24:02.224"/>
+    <p1510:client id="{CD1B35C6-3EF1-943E-BE89-E6F102AB01A1}" v="41" dt="2021-11-15T19:42:35.504"/>
     <p1510:client id="{CDF68D7E-85E0-316B-2C4A-5DBB1F494FD0}" v="949" dt="2021-11-11T21:37:13.540"/>
     <p1510:client id="{CFEAAB47-2939-68F0-F3DC-9D43C8B5BD3E}" v="317" dt="2021-10-04T19:39:42.437"/>
     <p1510:client id="{D1003A1B-57D1-9135-E7C2-A28CAD238C80}" v="35" dt="2021-10-16T01:06:00.304"/>
@@ -5844,16 +5851,6 @@
               </a:pPr>
               <a:r>
                 <a:rPr lang="en" sz="1000"/>
-                <a:t>Store Ticket's passenger's luggage number</a:t>
-              </a:r>
-            </a:p>
-            <a:p>
-              <a:pPr marL="182880" indent="-108585">
-                <a:buSzPts val="1000"/>
-                <a:buChar char="●"/>
-              </a:pPr>
-              <a:r>
-                <a:rPr lang="en" sz="1000"/>
                 <a:t>Store Ticket's passenger's seat class</a:t>
               </a:r>
             </a:p>
@@ -5898,17 +5895,6 @@
                 <a:t>Store Ticket's boarding gate</a:t>
               </a:r>
               <a:endParaRPr lang="en"/>
-            </a:p>
-            <a:p>
-              <a:pPr marL="182880" indent="-108585">
-                <a:buSzPts val="1000"/>
-                <a:buChar char="●"/>
-              </a:pPr>
-              <a:r>
-                <a:rPr lang="en" sz="1000"/>
-                <a:t>Store Ticket's seat type</a:t>
-              </a:r>
-              <a:endParaRPr lang="en" sz="1000" dirty="0"/>
             </a:p>
             <a:p>
               <a:pPr marL="182880" lvl="0" indent="-108585" algn="l" rtl="0">
@@ -5997,7 +5983,6 @@
                 <a:rPr lang="en" sz="1200"/>
                 <a:t>TicketManager</a:t>
               </a:r>
-              <a:endParaRPr lang="en" sz="1200" dirty="0"/>
             </a:p>
             <a:p>
               <a:r>
@@ -6014,7 +5999,7 @@
               <a:endParaRPr lang="af-ZA" sz="1200"/>
             </a:p>
             <a:p>
-              <a:endParaRPr lang="af-ZA" sz="1200" dirty="0"/>
+              <a:endParaRPr lang="af-ZA" sz="1200"/>
             </a:p>
             <a:p>
               <a:pPr marL="0" lvl="0" indent="0" algn="l">
@@ -6453,15 +6438,7 @@
               </a:pPr>
               <a:r>
                 <a:rPr lang="en" sz="1000"/>
-                <a:t>Replace the current redeem points based on current mileage </a:t>
-              </a:r>
-              <a:r>
-                <a:rPr lang="en" sz="1000" err="1"/>
-                <a:t>amont</a:t>
-              </a:r>
-              <a:r>
-                <a:rPr lang="en" sz="1000"/>
-                <a:t> </a:t>
+                <a:t>Replace the current redeem points based on current mileage amount </a:t>
               </a:r>
               <a:r>
                 <a:rPr lang="en" sz="1000" err="1"/>
@@ -6469,7 +6446,7 @@
               </a:r>
               <a:r>
                 <a:rPr lang="en" sz="1000"/>
-                <a:t> by 100. </a:t>
+                <a:t> by 5. </a:t>
               </a:r>
             </a:p>
             <a:p>
@@ -6889,7 +6866,7 @@
               <a:pPr marL="74295">
                 <a:buSzPts val="1000"/>
               </a:pPr>
-              <a:endParaRPr lang="en" sz="1000" dirty="0"/>
+              <a:endParaRPr lang="en" sz="1000"/>
             </a:p>
             <a:p>
               <a:pPr marL="182880" indent="-108585">
@@ -6897,7 +6874,7 @@
                 <a:buChar char="●"/>
               </a:pPr>
               <a:r>
-                <a:rPr lang="en" altLang="ja-JP" sz="1000" dirty="0"/>
+                <a:rPr lang="en" altLang="ja-JP" sz="1000"/>
                 <a:t>Store all tickets purchased and items redeemed by a customer</a:t>
               </a:r>
             </a:p>
@@ -6908,7 +6885,7 @@
                 <a:buChar char="●"/>
               </a:pPr>
               <a:r>
-                <a:rPr lang="en" altLang="ja-JP" sz="1000" dirty="0"/>
+                <a:rPr lang="en" altLang="ja-JP" sz="1000"/>
                 <a:t>Add new purchased tickets</a:t>
               </a:r>
             </a:p>
@@ -6919,7 +6896,7 @@
                 <a:buChar char="●"/>
               </a:pPr>
               <a:r>
-                <a:rPr lang="en" altLang="ja-JP" sz="1000" dirty="0"/>
+                <a:rPr lang="en" altLang="ja-JP" sz="1000"/>
                 <a:t>Add new items redeemed</a:t>
               </a:r>
             </a:p>
@@ -6928,25 +6905,25 @@
                 <a:buFont typeface="Arial,Sans-Serif"/>
                 <a:buChar char="●"/>
               </a:pPr>
-              <a:endParaRPr lang="en" sz="1000" dirty="0"/>
+              <a:endParaRPr lang="en" sz="1000"/>
             </a:p>
             <a:p>
               <a:pPr marL="74295"/>
-              <a:endParaRPr lang="en" sz="1000" dirty="0"/>
+              <a:endParaRPr lang="en" sz="1000"/>
             </a:p>
             <a:p>
               <a:pPr marL="182880" indent="-108585">
                 <a:buSzPts val="1000"/>
                 <a:buChar char="●"/>
               </a:pPr>
-              <a:endParaRPr lang="en" altLang="ja-JP" sz="1000" dirty="0"/>
+              <a:endParaRPr lang="en" altLang="ja-JP" sz="1000"/>
             </a:p>
             <a:p>
               <a:pPr marL="182880" indent="-108585">
                 <a:buSzPts val="1000"/>
                 <a:buChar char="●"/>
               </a:pPr>
-              <a:endParaRPr lang="en" altLang="ja-JP" sz="1000" dirty="0"/>
+              <a:endParaRPr lang="en" altLang="ja-JP" sz="1000"/>
             </a:p>
           </p:txBody>
         </p:sp>
@@ -7315,10 +7292,10 @@
                 <a:buChar char="●"/>
               </a:pPr>
               <a:r>
-                <a:rPr lang="en" sz="1000" dirty="0"/>
+                <a:rPr lang="en" sz="1000"/>
                 <a:t>Add the customer to the Membership HashMap.</a:t>
               </a:r>
-              <a:endParaRPr lang="en-US" sz="1000" dirty="0"/>
+              <a:endParaRPr lang="en-US" sz="1000"/>
             </a:p>
             <a:p>
               <a:pPr marL="182880" indent="-108585">
@@ -7327,10 +7304,10 @@
                 <a:buChar char="●"/>
               </a:pPr>
               <a:r>
-                <a:rPr lang="en" sz="1000" dirty="0"/>
+                <a:rPr lang="en" sz="1000"/>
                 <a:t>Check if the customer exist in Membership HashMap.</a:t>
               </a:r>
-              <a:endParaRPr lang="en-US" sz="1000" dirty="0"/>
+              <a:endParaRPr lang="en-US" sz="1000"/>
             </a:p>
             <a:p>
               <a:pPr marL="182880" indent="-108585">
@@ -7338,10 +7315,10 @@
                 <a:buChar char="●"/>
               </a:pPr>
               <a:r>
-                <a:rPr lang="en" sz="1000" dirty="0"/>
+                <a:rPr lang="en" sz="1000"/>
                 <a:t>Check if the customer is Membership or not by the given customer. </a:t>
               </a:r>
-              <a:endParaRPr lang="en" dirty="0"/>
+              <a:endParaRPr lang="en"/>
             </a:p>
             <a:p>
               <a:pPr marL="182880" indent="-108585">
@@ -7350,10 +7327,10 @@
                 <a:buChar char="●"/>
               </a:pPr>
               <a:r>
-                <a:rPr lang="en" sz="1000" dirty="0"/>
+                <a:rPr lang="en" sz="1000"/>
                 <a:t>Check the customer's current Membership level by the given customer. </a:t>
               </a:r>
-              <a:endParaRPr lang="en-US" sz="1000" dirty="0"/>
+              <a:endParaRPr lang="en-US" sz="1000"/>
             </a:p>
             <a:p>
               <a:pPr marL="182880" indent="-108585">
@@ -7362,10 +7339,10 @@
                 <a:buChar char="●"/>
               </a:pPr>
               <a:r>
-                <a:rPr lang="en" sz="1000" dirty="0"/>
+                <a:rPr lang="en" sz="1000"/>
                 <a:t>Change the customer's Membership status if this customer's membership status is false by the given customer. </a:t>
               </a:r>
-              <a:endParaRPr lang="en-US" sz="1000" dirty="0"/>
+              <a:endParaRPr lang="en-US" sz="1000"/>
             </a:p>
             <a:p>
               <a:pPr marL="182880" indent="-108585">
@@ -7374,10 +7351,10 @@
                 <a:buChar char="●"/>
               </a:pPr>
               <a:r>
-                <a:rPr lang="en" sz="1000" dirty="0"/>
+                <a:rPr lang="en" sz="1000"/>
                 <a:t>Change the customer's Membership levels if this customer's membership status is false by the given customer. </a:t>
               </a:r>
-              <a:endParaRPr lang="en-US" sz="1000" dirty="0"/>
+              <a:endParaRPr lang="en-US" sz="1000"/>
             </a:p>
             <a:p>
               <a:pPr marL="182880" indent="-108585">
@@ -7386,10 +7363,10 @@
                 <a:buChar char="●"/>
               </a:pPr>
               <a:r>
-                <a:rPr lang="en" sz="1000" dirty="0"/>
+                <a:rPr lang="en" sz="1000"/>
                 <a:t>Return this customer if this customer is membership by the given username.</a:t>
               </a:r>
-              <a:endParaRPr lang="en-US" sz="1000" dirty="0"/>
+              <a:endParaRPr lang="en-US" sz="1000"/>
             </a:p>
             <a:p>
               <a:pPr marL="182880" indent="-108585">
@@ -7398,10 +7375,10 @@
                 <a:buChar char="●"/>
               </a:pPr>
               <a:r>
-                <a:rPr lang="en" sz="1000" dirty="0"/>
+                <a:rPr lang="en" sz="1000"/>
                 <a:t>Return this customer's balance if this  customer is membership by the given username.</a:t>
               </a:r>
-              <a:endParaRPr lang="en-US" sz="1000" dirty="0"/>
+              <a:endParaRPr lang="en-US" sz="1000"/>
             </a:p>
             <a:p>
               <a:pPr marL="182880" indent="-108585">
@@ -7410,7 +7387,7 @@
                 <a:buChar char="●"/>
               </a:pPr>
               <a:r>
-                <a:rPr lang="en" sz="1000" dirty="0"/>
+                <a:rPr lang="en" sz="1000"/>
                 <a:t>Increase this customer's balance if this customer is membership.</a:t>
               </a:r>
             </a:p>
@@ -7421,10 +7398,10 @@
                 <a:buChar char="●"/>
               </a:pPr>
               <a:r>
-                <a:rPr lang="en" sz="1000" dirty="0"/>
+                <a:rPr lang="en" sz="1000"/>
                 <a:t>Decrease this customer's balance if this customer is membership.</a:t>
               </a:r>
-              <a:endParaRPr lang="en-US" sz="1000" dirty="0"/>
+              <a:endParaRPr lang="en-US" sz="1000"/>
             </a:p>
             <a:p>
               <a:pPr marL="182880" indent="-108585">
@@ -7433,7 +7410,7 @@
                 <a:buChar char="●"/>
               </a:pPr>
               <a:r>
-                <a:rPr lang="en" sz="1000" dirty="0"/>
+                <a:rPr lang="en" sz="1000"/>
                 <a:t>Increase this customer's Millage if this customer is membership.</a:t>
               </a:r>
               <a:endParaRPr lang="en-US" sz="1000"/>
@@ -7445,10 +7422,10 @@
                 <a:buChar char="●"/>
               </a:pPr>
               <a:r>
-                <a:rPr lang="en" sz="1000" dirty="0"/>
+                <a:rPr lang="en" sz="1000"/>
                 <a:t>Decrease this customer's Millage if this customer is membership.</a:t>
               </a:r>
-              <a:endParaRPr lang="en" dirty="0"/>
+              <a:endParaRPr lang="en"/>
             </a:p>
             <a:p>
               <a:pPr marL="182880" indent="-108585">
@@ -7457,7 +7434,7 @@
                 <a:buChar char="●"/>
               </a:pPr>
               <a:r>
-                <a:rPr lang="en" sz="1000" dirty="0"/>
+                <a:rPr lang="en" sz="1000"/>
                 <a:t>Calculate this customer's Redeem Points if this customer is membership.</a:t>
               </a:r>
             </a:p>
@@ -7468,10 +7445,10 @@
                 <a:buChar char="●"/>
               </a:pPr>
               <a:r>
-                <a:rPr lang="en" sz="1000" dirty="0"/>
+                <a:rPr lang="en" sz="1000"/>
                 <a:t>Return this customer's Redeem Points if this customer is membership.</a:t>
               </a:r>
-              <a:endParaRPr lang="en-US" sz="1000" dirty="0"/>
+              <a:endParaRPr lang="en-US" sz="1000"/>
             </a:p>
             <a:p>
               <a:pPr marL="182880" indent="-108585">
@@ -7480,22 +7457,18 @@
                 <a:buChar char="●"/>
               </a:pPr>
               <a:r>
-                <a:rPr lang="en" sz="1000" dirty="0"/>
+                <a:rPr lang="en" sz="1000"/>
                 <a:t>Minus this customer's Redeem Points if this customer is membership </a:t>
               </a:r>
               <a:r>
-                <a:rPr lang="en" sz="1000" dirty="0" err="1"/>
+                <a:rPr lang="en" sz="1000" err="1"/>
                 <a:t>bu</a:t>
               </a:r>
               <a:r>
-                <a:rPr lang="en" sz="1000" dirty="0"/>
-                <a:t> the </a:t>
-              </a:r>
-              <a:r>
                 <a:rPr lang="en" sz="1000"/>
-                <a:t>given amounts.</a:t>
-              </a:r>
-              <a:endParaRPr lang="en-US" sz="1000" dirty="0"/>
+                <a:t> the given amounts.</a:t>
+              </a:r>
+              <a:endParaRPr lang="en-US" sz="1000"/>
             </a:p>
             <a:p>
               <a:pPr marL="182880" indent="-108585">
@@ -7505,11 +7478,7 @@
               </a:pPr>
               <a:r>
                 <a:rPr lang="en" sz="1000"/>
-                <a:t>Display this customer's related information  if this customer </a:t>
-              </a:r>
-              <a:r>
-                <a:rPr lang="en" sz="1000" dirty="0"/>
-                <a:t>is membership by the given amounts.</a:t>
+                <a:t>Display this customer's related information  if this customer is membership by the given amounts.</a:t>
               </a:r>
               <a:endParaRPr lang="en-US" sz="1000"/>
             </a:p>
@@ -7519,7 +7488,7 @@
                 <a:buFont typeface="Arial,Sans-Serif"/>
                 <a:buChar char="●"/>
               </a:pPr>
-              <a:endParaRPr lang="en" sz="1000" dirty="0"/>
+              <a:endParaRPr lang="en" sz="1000"/>
             </a:p>
             <a:p>
               <a:pPr marL="182880" indent="-108585">
@@ -7527,7 +7496,7 @@
                 <a:buFont typeface="Arial,Sans-Serif"/>
                 <a:buChar char="●"/>
               </a:pPr>
-              <a:endParaRPr lang="en" sz="1000" dirty="0"/>
+              <a:endParaRPr lang="en" sz="1000"/>
             </a:p>
             <a:p>
               <a:pPr marL="182880" indent="-108585">
@@ -7535,7 +7504,7 @@
                 <a:buFont typeface="Arial,Sans-Serif"/>
                 <a:buChar char="●"/>
               </a:pPr>
-              <a:endParaRPr lang="en" sz="1000" dirty="0"/>
+              <a:endParaRPr lang="en" sz="1000"/>
             </a:p>
             <a:p>
               <a:pPr marL="182880" indent="-108585">
@@ -7543,7 +7512,7 @@
                 <a:buFont typeface="Arial,Sans-Serif"/>
                 <a:buChar char="●"/>
               </a:pPr>
-              <a:endParaRPr lang="en" sz="1000" dirty="0"/>
+              <a:endParaRPr lang="en" sz="1000"/>
             </a:p>
             <a:p>
               <a:pPr marL="182880" indent="-108585">
@@ -7551,7 +7520,7 @@
                 <a:buFont typeface="Arial,Sans-Serif"/>
                 <a:buChar char="●"/>
               </a:pPr>
-              <a:endParaRPr lang="en" sz="1000" dirty="0"/>
+              <a:endParaRPr lang="en" sz="1000"/>
             </a:p>
             <a:p>
               <a:pPr marL="182880" indent="-108585">
@@ -7559,7 +7528,7 @@
                 <a:buFont typeface="Arial,Sans-Serif"/>
                 <a:buChar char="●"/>
               </a:pPr>
-              <a:endParaRPr lang="en" sz="1000" dirty="0"/>
+              <a:endParaRPr lang="en" sz="1000"/>
             </a:p>
             <a:p>
               <a:pPr marL="182880" indent="-108585">
@@ -7567,7 +7536,7 @@
                 <a:buFont typeface="Arial,Sans-Serif"/>
                 <a:buChar char="●"/>
               </a:pPr>
-              <a:endParaRPr lang="en" sz="1000" dirty="0"/>
+              <a:endParaRPr lang="en" sz="1000"/>
             </a:p>
             <a:p>
               <a:pPr marL="182880" indent="-108585">
@@ -7575,7 +7544,7 @@
                 <a:buFont typeface="Arial,Sans-Serif"/>
                 <a:buChar char="●"/>
               </a:pPr>
-              <a:endParaRPr lang="en" sz="1000" dirty="0"/>
+              <a:endParaRPr lang="en" sz="1000"/>
             </a:p>
             <a:p>
               <a:pPr marL="182880" indent="-108585">
@@ -8019,8 +7988,8 @@
                 <a:buChar char="●"/>
               </a:pPr>
               <a:r>
-                <a:rPr lang="en" sz="1000"/>
-                <a:t>Return the mileage earned by purchasing a ticket</a:t>
+                <a:rPr lang="en" sz="1000" b="1"/>
+                <a:t>Return the mileage earned by purchasing a ticket so that it could be redeemed as points.</a:t>
               </a:r>
             </a:p>
             <a:p>
@@ -8028,10 +7997,7 @@
                 <a:buFont typeface="Arial,Sans-Serif"/>
                 <a:buChar char="●"/>
               </a:pPr>
-              <a:r>
-                <a:rPr lang="en" sz="1000"/>
-                <a:t>Display info of all sold tickets</a:t>
-              </a:r>
+              <a:endParaRPr lang="en" sz="1000" b="1"/>
             </a:p>
             <a:p>
               <a:pPr marL="182880" indent="-108585">
@@ -8437,6 +8403,7 @@
                 <a:rPr lang="en" sz="1000" err="1"/>
                 <a:t>hashmap</a:t>
               </a:r>
+              <a:endParaRPr lang="en" sz="1000"/>
             </a:p>
             <a:p>
               <a:pPr marL="182880" indent="-108585">
@@ -8466,7 +8433,7 @@
               </a:pPr>
               <a:r>
                 <a:rPr lang="en" sz="1000"/>
-                <a:t>Order flights by travel distance</a:t>
+                <a:t>Return flights by travel distance</a:t>
               </a:r>
             </a:p>
             <a:p>
@@ -8485,26 +8452,48 @@
                 <a:buChar char="●"/>
               </a:pPr>
               <a:r>
-                <a:rPr lang="en" sz="1000"/>
-                <a:t>Return </a:t>
-              </a:r>
-              <a:r>
-                <a:rPr lang="en" sz="1000" i="1" err="1"/>
+                <a:rPr lang="en" sz="1000" b="1"/>
+                <a:t>Provide a list that contains all flight numbers that satisfy the departure and arrival time.</a:t>
+              </a:r>
+            </a:p>
+            <a:p>
+              <a:pPr marL="182880" indent="-108585">
+                <a:buSzPts val="1000"/>
+                <a:buChar char="●"/>
+              </a:pPr>
+              <a:r>
+                <a:rPr lang="en" sz="1000" b="1" err="1"/>
+                <a:t>ToString</a:t>
+              </a:r>
+              <a:r>
+                <a:rPr lang="en" sz="1000" b="1"/>
+                <a:t> method that returns all flight information in fm. </a:t>
+              </a:r>
+            </a:p>
+            <a:p>
+              <a:pPr marL="182880" indent="-108585">
+                <a:buSzPts val="1000"/>
+                <a:buChar char="●"/>
+              </a:pPr>
+              <a:r>
+                <a:rPr lang="en" sz="1000" b="1"/>
+                <a:t>Return </a:t>
+              </a:r>
+              <a:r>
+                <a:rPr lang="en" sz="1000" b="1" err="1"/>
                 <a:t>ArrayList</a:t>
               </a:r>
               <a:r>
-                <a:rPr lang="en" sz="1000" i="1"/>
-                <a:t> of </a:t>
-              </a:r>
-              <a:r>
-                <a:rPr lang="en" sz="1000" i="1" err="1"/>
-                <a:t>availableSeat</a:t>
-              </a:r>
-              <a:r>
-                <a:rPr lang="en" sz="1000" i="1"/>
-                <a:t> by flight number and class preference</a:t>
-              </a:r>
-              <a:endParaRPr lang="en" sz="1000"/>
+                <a:rPr lang="en" sz="1000" b="1"/>
+                <a:t> of seats and its' class information </a:t>
+              </a:r>
+            </a:p>
+            <a:p>
+              <a:pPr marL="182880" indent="-108585">
+                <a:buSzPts val="1000"/>
+                <a:buChar char="●"/>
+              </a:pPr>
+              <a:endParaRPr lang="en" sz="1000" i="1"/>
             </a:p>
             <a:p>
               <a:pPr marL="182880" indent="-108585">
@@ -9237,440 +9226,6 @@
           <a:chExt cx="0" cy="0"/>
         </a:xfrm>
       </p:grpSpPr>
-      <p:sp>
-        <p:nvSpPr>
-          <p:cNvPr id="2" name="标题 1">
-            <a:extLst>
-              <a:ext uri="{FF2B5EF4-FFF2-40B4-BE49-F238E27FC236}">
-                <a16:creationId xmlns:a16="http://schemas.microsoft.com/office/drawing/2014/main" id="{2371DB71-9771-46AB-8D1E-8071EEA21079}"/>
-              </a:ext>
-            </a:extLst>
-          </p:cNvPr>
-          <p:cNvSpPr>
-            <a:spLocks noGrp="1"/>
-          </p:cNvSpPr>
-          <p:nvPr>
-            <p:ph type="title"/>
-          </p:nvPr>
-        </p:nvSpPr>
-        <p:spPr/>
-        <p:txBody>
-          <a:bodyPr>
-            <a:normAutofit fontScale="90000"/>
-          </a:bodyPr>
-          <a:lstStyle/>
-          <a:p>
-            <a:endParaRPr lang="zh-CN" altLang="en-US"/>
-          </a:p>
-        </p:txBody>
-      </p:sp>
-      <p:sp>
-        <p:nvSpPr>
-          <p:cNvPr id="3" name="文本占位符 2">
-            <a:extLst>
-              <a:ext uri="{FF2B5EF4-FFF2-40B4-BE49-F238E27FC236}">
-                <a16:creationId xmlns:a16="http://schemas.microsoft.com/office/drawing/2014/main" id="{54FA4658-037F-4681-9CF1-A9F893100F70}"/>
-              </a:ext>
-            </a:extLst>
-          </p:cNvPr>
-          <p:cNvSpPr>
-            <a:spLocks noGrp="1"/>
-          </p:cNvSpPr>
-          <p:nvPr>
-            <p:ph type="body" idx="1"/>
-          </p:nvPr>
-        </p:nvSpPr>
-        <p:spPr/>
-        <p:txBody>
-          <a:bodyPr/>
-          <a:lstStyle/>
-          <a:p>
-            <a:endParaRPr lang="zh-CN" altLang="en-US" dirty="0"/>
-          </a:p>
-        </p:txBody>
-      </p:sp>
-      <p:grpSp>
-        <p:nvGrpSpPr>
-          <p:cNvPr id="4" name="Google Shape;68;p14">
-            <a:extLst>
-              <a:ext uri="{FF2B5EF4-FFF2-40B4-BE49-F238E27FC236}">
-                <a16:creationId xmlns:a16="http://schemas.microsoft.com/office/drawing/2014/main" id="{1C8CD33E-70B7-41F7-A0B2-6D9C597E7B03}"/>
-              </a:ext>
-            </a:extLst>
-          </p:cNvPr>
-          <p:cNvGrpSpPr/>
-          <p:nvPr/>
-        </p:nvGrpSpPr>
-        <p:grpSpPr>
-          <a:xfrm>
-            <a:off x="472139" y="379966"/>
-            <a:ext cx="8199262" cy="4606372"/>
-            <a:chOff x="2201300" y="2267500"/>
-            <a:chExt cx="3563300" cy="1982700"/>
-          </a:xfrm>
-        </p:grpSpPr>
-        <p:sp>
-          <p:nvSpPr>
-            <p:cNvPr id="5" name="Google Shape;69;p14">
-              <a:extLst>
-                <a:ext uri="{FF2B5EF4-FFF2-40B4-BE49-F238E27FC236}">
-                  <a16:creationId xmlns:a16="http://schemas.microsoft.com/office/drawing/2014/main" id="{E6C6180C-E4B5-4276-B26C-6BAD870AAE26}"/>
-                </a:ext>
-              </a:extLst>
-            </p:cNvPr>
-            <p:cNvSpPr/>
-            <p:nvPr/>
-          </p:nvSpPr>
-          <p:spPr>
-            <a:xfrm>
-              <a:off x="2201500" y="2267500"/>
-              <a:ext cx="3563100" cy="1982700"/>
-            </a:xfrm>
-            <a:prstGeom prst="rect">
-              <a:avLst/>
-            </a:prstGeom>
-            <a:solidFill>
-              <a:schemeClr val="lt1"/>
-            </a:solidFill>
-            <a:ln w="28575" cap="flat" cmpd="sng">
-              <a:solidFill>
-                <a:schemeClr val="dk1"/>
-              </a:solidFill>
-              <a:prstDash val="solid"/>
-              <a:round/>
-              <a:headEnd type="none" w="sm" len="sm"/>
-              <a:tailEnd type="none" w="sm" len="sm"/>
-            </a:ln>
-          </p:spPr>
-          <p:txBody>
-            <a:bodyPr spcFirstLastPara="1" wrap="square" lIns="91425" tIns="91425" rIns="91425" bIns="91425" anchor="ctr" anchorCtr="0">
-              <a:noAutofit/>
-            </a:bodyPr>
-            <a:lstStyle/>
-            <a:p>
-              <a:pPr marL="0" lvl="0" indent="0" algn="l" rtl="0">
-                <a:spcBef>
-                  <a:spcPts val="0"/>
-                </a:spcBef>
-                <a:spcAft>
-                  <a:spcPts val="0"/>
-                </a:spcAft>
-                <a:buNone/>
-              </a:pPr>
-              <a:endParaRPr/>
-            </a:p>
-          </p:txBody>
-        </p:sp>
-        <p:sp>
-          <p:nvSpPr>
-            <p:cNvPr id="6" name="Google Shape;70;p14">
-              <a:extLst>
-                <a:ext uri="{FF2B5EF4-FFF2-40B4-BE49-F238E27FC236}">
-                  <a16:creationId xmlns:a16="http://schemas.microsoft.com/office/drawing/2014/main" id="{BEA67B31-5C99-4D26-86EC-E350599260F3}"/>
-                </a:ext>
-              </a:extLst>
-            </p:cNvPr>
-            <p:cNvSpPr/>
-            <p:nvPr/>
-          </p:nvSpPr>
-          <p:spPr>
-            <a:xfrm>
-              <a:off x="2201500" y="2267500"/>
-              <a:ext cx="3563100" cy="412200"/>
-            </a:xfrm>
-            <a:prstGeom prst="rect">
-              <a:avLst/>
-            </a:prstGeom>
-            <a:solidFill>
-              <a:schemeClr val="lt1"/>
-            </a:solidFill>
-            <a:ln w="19050" cap="flat" cmpd="sng">
-              <a:solidFill>
-                <a:schemeClr val="dk1"/>
-              </a:solidFill>
-              <a:prstDash val="solid"/>
-              <a:round/>
-              <a:headEnd type="none" w="sm" len="sm"/>
-              <a:tailEnd type="none" w="sm" len="sm"/>
-            </a:ln>
-          </p:spPr>
-          <p:txBody>
-            <a:bodyPr spcFirstLastPara="1" wrap="square" lIns="91425" tIns="91425" rIns="91425" bIns="91425" anchor="ctr" anchorCtr="0">
-              <a:noAutofit/>
-            </a:bodyPr>
-            <a:lstStyle/>
-            <a:p>
-              <a:pPr algn="ctr"/>
-              <a:r>
-                <a:rPr lang="en-US" altLang="zh-CN" b="1" dirty="0" err="1"/>
-                <a:t>LoginSystem</a:t>
-              </a:r>
-              <a:r>
-                <a:rPr lang="en" b="1" dirty="0"/>
-                <a:t> (Use-case)</a:t>
-              </a:r>
-              <a:endParaRPr lang="en-US" dirty="0"/>
-            </a:p>
-          </p:txBody>
-        </p:sp>
-        <p:sp>
-          <p:nvSpPr>
-            <p:cNvPr id="7" name="Google Shape;71;p14">
-              <a:extLst>
-                <a:ext uri="{FF2B5EF4-FFF2-40B4-BE49-F238E27FC236}">
-                  <a16:creationId xmlns:a16="http://schemas.microsoft.com/office/drawing/2014/main" id="{48362324-DC80-421A-95C7-2EF9F444D63A}"/>
-                </a:ext>
-              </a:extLst>
-            </p:cNvPr>
-            <p:cNvSpPr/>
-            <p:nvPr/>
-          </p:nvSpPr>
-          <p:spPr>
-            <a:xfrm>
-              <a:off x="4453900" y="2267500"/>
-              <a:ext cx="1310700" cy="210900"/>
-            </a:xfrm>
-            <a:prstGeom prst="rect">
-              <a:avLst/>
-            </a:prstGeom>
-            <a:noFill/>
-            <a:ln>
-              <a:noFill/>
-            </a:ln>
-          </p:spPr>
-          <p:txBody>
-            <a:bodyPr spcFirstLastPara="1" wrap="square" lIns="91425" tIns="91425" rIns="91425" bIns="91425" anchor="ctr" anchorCtr="0">
-              <a:noAutofit/>
-            </a:bodyPr>
-            <a:lstStyle/>
-            <a:p>
-              <a:pPr marL="0" lvl="0" indent="0" algn="r" rtl="0">
-                <a:spcBef>
-                  <a:spcPts val="0"/>
-                </a:spcBef>
-                <a:spcAft>
-                  <a:spcPts val="0"/>
-                </a:spcAft>
-                <a:buNone/>
-              </a:pPr>
-              <a:endParaRPr sz="1100" b="1"/>
-            </a:p>
-          </p:txBody>
-        </p:sp>
-        <p:sp>
-          <p:nvSpPr>
-            <p:cNvPr id="8" name="Google Shape;72;p14">
-              <a:extLst>
-                <a:ext uri="{FF2B5EF4-FFF2-40B4-BE49-F238E27FC236}">
-                  <a16:creationId xmlns:a16="http://schemas.microsoft.com/office/drawing/2014/main" id="{B02A8B0E-EB6C-41AF-A2E2-3DEF5819A161}"/>
-                </a:ext>
-              </a:extLst>
-            </p:cNvPr>
-            <p:cNvSpPr/>
-            <p:nvPr/>
-          </p:nvSpPr>
-          <p:spPr>
-            <a:xfrm>
-              <a:off x="4453900" y="2468800"/>
-              <a:ext cx="1310700" cy="210900"/>
-            </a:xfrm>
-            <a:prstGeom prst="rect">
-              <a:avLst/>
-            </a:prstGeom>
-            <a:noFill/>
-            <a:ln>
-              <a:noFill/>
-            </a:ln>
-          </p:spPr>
-          <p:txBody>
-            <a:bodyPr spcFirstLastPara="1" wrap="square" lIns="91425" tIns="91425" rIns="91425" bIns="91425" anchor="ctr" anchorCtr="0">
-              <a:noAutofit/>
-            </a:bodyPr>
-            <a:lstStyle/>
-            <a:p>
-              <a:pPr marL="0" lvl="0" indent="0" algn="r" rtl="0">
-                <a:spcBef>
-                  <a:spcPts val="0"/>
-                </a:spcBef>
-                <a:spcAft>
-                  <a:spcPts val="0"/>
-                </a:spcAft>
-                <a:buNone/>
-              </a:pPr>
-              <a:endParaRPr sz="1100" b="1"/>
-            </a:p>
-          </p:txBody>
-        </p:sp>
-        <p:sp>
-          <p:nvSpPr>
-            <p:cNvPr id="9" name="Google Shape;73;p14">
-              <a:extLst>
-                <a:ext uri="{FF2B5EF4-FFF2-40B4-BE49-F238E27FC236}">
-                  <a16:creationId xmlns:a16="http://schemas.microsoft.com/office/drawing/2014/main" id="{6C5C0EBC-DAAA-4004-80D8-E1254D929744}"/>
-                </a:ext>
-              </a:extLst>
-            </p:cNvPr>
-            <p:cNvSpPr/>
-            <p:nvPr/>
-          </p:nvSpPr>
-          <p:spPr>
-            <a:xfrm>
-              <a:off x="2201300" y="2679700"/>
-              <a:ext cx="2252400" cy="1570500"/>
-            </a:xfrm>
-            <a:prstGeom prst="rect">
-              <a:avLst/>
-            </a:prstGeom>
-            <a:solidFill>
-              <a:schemeClr val="lt1"/>
-            </a:solidFill>
-            <a:ln w="19050" cap="flat" cmpd="sng">
-              <a:solidFill>
-                <a:schemeClr val="dk1"/>
-              </a:solidFill>
-              <a:prstDash val="solid"/>
-              <a:round/>
-              <a:headEnd type="none" w="sm" len="sm"/>
-              <a:tailEnd type="none" w="sm" len="sm"/>
-            </a:ln>
-          </p:spPr>
-          <p:txBody>
-            <a:bodyPr spcFirstLastPara="1" wrap="square" lIns="91425" tIns="91425" rIns="91425" bIns="91425" anchor="t" anchorCtr="0">
-              <a:noAutofit/>
-            </a:bodyPr>
-            <a:lstStyle/>
-            <a:p>
-              <a:pPr marL="74295">
-                <a:buSzPts val="1000"/>
-              </a:pPr>
-              <a:endParaRPr lang="en" sz="1000" dirty="0"/>
-            </a:p>
-            <a:p>
-              <a:pPr marL="182880" indent="-108585">
-                <a:buSzPts val="1000"/>
-                <a:buFont typeface="Arial,Sans-Serif"/>
-                <a:buChar char="●"/>
-              </a:pPr>
-              <a:r>
-                <a:rPr lang="en-US" sz="1000" dirty="0"/>
-                <a:t>Check if the user exists in users.csv</a:t>
-              </a:r>
-            </a:p>
-            <a:p>
-              <a:pPr marL="182880" indent="-108585">
-                <a:buSzPts val="1000"/>
-                <a:buFont typeface="Arial,Sans-Serif"/>
-                <a:buChar char="●"/>
-              </a:pPr>
-              <a:r>
-                <a:rPr lang="en-US" sz="1000" dirty="0"/>
-                <a:t>Check if the username matches the password in users.csv</a:t>
-              </a:r>
-            </a:p>
-            <a:p>
-              <a:pPr marL="182880" indent="-108585">
-                <a:buSzPts val="1000"/>
-                <a:buFont typeface="Arial,Sans-Serif"/>
-                <a:buChar char="●"/>
-              </a:pPr>
-              <a:r>
-                <a:rPr lang="en"/>
-                <a:t>Add user to users.csv</a:t>
-              </a:r>
-              <a:endParaRPr lang="en" dirty="0"/>
-            </a:p>
-            <a:p>
-              <a:pPr marL="182880" indent="-108585">
-                <a:buSzPts val="1000"/>
-                <a:buChar char="●"/>
-              </a:pPr>
-              <a:endParaRPr lang="en" sz="1000" dirty="0"/>
-            </a:p>
-          </p:txBody>
-        </p:sp>
-        <p:sp>
-          <p:nvSpPr>
-            <p:cNvPr id="10" name="Google Shape;74;p14">
-              <a:extLst>
-                <a:ext uri="{FF2B5EF4-FFF2-40B4-BE49-F238E27FC236}">
-                  <a16:creationId xmlns:a16="http://schemas.microsoft.com/office/drawing/2014/main" id="{BDA416A5-FFFC-46A5-BDD0-9ACF79B3B61B}"/>
-                </a:ext>
-              </a:extLst>
-            </p:cNvPr>
-            <p:cNvSpPr/>
-            <p:nvPr/>
-          </p:nvSpPr>
-          <p:spPr>
-            <a:xfrm>
-              <a:off x="4453800" y="2679700"/>
-              <a:ext cx="1310700" cy="1570500"/>
-            </a:xfrm>
-            <a:prstGeom prst="rect">
-              <a:avLst/>
-            </a:prstGeom>
-            <a:solidFill>
-              <a:schemeClr val="lt1"/>
-            </a:solidFill>
-            <a:ln w="19050" cap="flat" cmpd="sng">
-              <a:solidFill>
-                <a:schemeClr val="dk1"/>
-              </a:solidFill>
-              <a:prstDash val="solid"/>
-              <a:round/>
-              <a:headEnd type="none" w="sm" len="sm"/>
-              <a:tailEnd type="none" w="sm" len="sm"/>
-            </a:ln>
-          </p:spPr>
-          <p:txBody>
-            <a:bodyPr spcFirstLastPara="1" wrap="square" lIns="91425" tIns="91425" rIns="91425" bIns="91425" anchor="t" anchorCtr="0">
-              <a:noAutofit/>
-            </a:bodyPr>
-            <a:lstStyle/>
-            <a:p>
-              <a:pPr marL="0" lvl="0" indent="0" algn="l">
-                <a:spcBef>
-                  <a:spcPts val="0"/>
-                </a:spcBef>
-                <a:spcAft>
-                  <a:spcPts val="0"/>
-                </a:spcAft>
-                <a:buNone/>
-              </a:pPr>
-              <a:endParaRPr lang="en" sz="1200" dirty="0"/>
-            </a:p>
-          </p:txBody>
-        </p:sp>
-      </p:grpSp>
-    </p:spTree>
-    <p:extLst>
-      <p:ext uri="{BB962C8B-B14F-4D97-AF65-F5344CB8AC3E}">
-        <p14:creationId xmlns:p14="http://schemas.microsoft.com/office/powerpoint/2010/main" val="3379929428"/>
-      </p:ext>
-    </p:extLst>
-  </p:cSld>
-  <p:clrMapOvr>
-    <a:masterClrMapping/>
-  </p:clrMapOvr>
-</p:sld>
-</file>
-
-<file path=ppt/slides/slide17.xml><?xml version="1.0" encoding="utf-8"?>
-<p:sld xmlns:a="http://schemas.openxmlformats.org/drawingml/2006/main" xmlns:r="http://schemas.openxmlformats.org/officeDocument/2006/relationships" xmlns:p="http://schemas.openxmlformats.org/presentationml/2006/main">
-  <p:cSld>
-    <p:spTree>
-      <p:nvGrpSpPr>
-        <p:cNvPr id="1" name=""/>
-        <p:cNvGrpSpPr/>
-        <p:nvPr/>
-      </p:nvGrpSpPr>
-      <p:grpSpPr>
-        <a:xfrm>
-          <a:off x="0" y="0"/>
-          <a:ext cx="0" cy="0"/>
-          <a:chOff x="0" y="0"/>
-          <a:chExt cx="0" cy="0"/>
-        </a:xfrm>
-      </p:grpSpPr>
       <p:grpSp>
         <p:nvGrpSpPr>
           <p:cNvPr id="11" name="Google Shape;68;p14">
@@ -9925,7 +9480,7 @@
                 <a:buSzPts val="1000"/>
                 <a:buChar char="●"/>
               </a:pPr>
-              <a:endParaRPr lang="en" sz="1000" dirty="0"/>
+              <a:endParaRPr lang="en" sz="1000"/>
             </a:p>
             <a:p>
               <a:pPr marL="182880" indent="-108585">
@@ -9933,8 +9488,24 @@
                 <a:buChar char="●"/>
               </a:pPr>
               <a:r>
-                <a:rPr lang="en" sz="1000" dirty="0"/>
-                <a:t>Contains a Hashmap &lt;Customer, PurchaseHistory&gt; that shows all information of the purchase history of all customers.</a:t>
+                <a:rPr lang="en" sz="1000"/>
+                <a:t>Contains a </a:t>
+              </a:r>
+              <a:r>
+                <a:rPr lang="en" sz="1000" err="1"/>
+                <a:t>Hashmap</a:t>
+              </a:r>
+              <a:r>
+                <a:rPr lang="en" sz="1000"/>
+                <a:t> &lt;Customer, </a:t>
+              </a:r>
+              <a:r>
+                <a:rPr lang="en" sz="1000" err="1"/>
+                <a:t>PurchaseHistory</a:t>
+              </a:r>
+              <a:r>
+                <a:rPr lang="en" sz="1000"/>
+                <a:t>&gt; that shows all information of the purchase history of all customers.</a:t>
               </a:r>
             </a:p>
             <a:p>
@@ -9943,7 +9514,7 @@
                 <a:buChar char="●"/>
               </a:pPr>
               <a:r>
-                <a:rPr lang="en" sz="1000" dirty="0"/>
+                <a:rPr lang="en" sz="1000"/>
                 <a:t>Update this map when a customer's purchase history is changed.</a:t>
               </a:r>
             </a:p>
@@ -9953,9 +9524,14 @@
                 <a:buChar char="●"/>
               </a:pPr>
               <a:r>
-                <a:rPr lang="en" sz="1000" dirty="0"/>
-                <a:t>Return the tickets in the purchase history of a customer stored in the hashmap</a:t>
-              </a:r>
+                <a:rPr lang="en" sz="1000"/>
+                <a:t>Return the tickets in the purchase history of a customer stored in the </a:t>
+              </a:r>
+              <a:r>
+                <a:rPr lang="en" sz="1000" err="1"/>
+                <a:t>hashmap</a:t>
+              </a:r>
+              <a:endParaRPr lang="en" sz="1000"/>
             </a:p>
             <a:p>
               <a:pPr marL="182880" indent="-108585">
@@ -9963,15 +9539,19 @@
                 <a:buChar char="●"/>
               </a:pPr>
               <a:r>
-                <a:rPr lang="en" sz="1000" dirty="0"/>
-                <a:t>Return the items redeemed by a customer from his/her purchase history stored in the hashmap</a:t>
+                <a:rPr lang="en" sz="1000"/>
+                <a:t>Return the items redeemed by a customer from his/her purchase history stored in the </a:t>
+              </a:r>
+              <a:r>
+                <a:rPr lang="en" sz="1000" err="1"/>
+                <a:t>hashmap</a:t>
               </a:r>
             </a:p>
             <a:p>
               <a:pPr marL="74295">
                 <a:buSzPts val="1000"/>
               </a:pPr>
-              <a:endParaRPr lang="en-US" sz="1000" dirty="0"/>
+              <a:endParaRPr lang="en-US" sz="1000"/>
             </a:p>
           </p:txBody>
         </p:sp>
@@ -10047,6 +9627,419 @@
     <p:extLst>
       <p:ext uri="{BB962C8B-B14F-4D97-AF65-F5344CB8AC3E}">
         <p14:creationId xmlns:p14="http://schemas.microsoft.com/office/powerpoint/2010/main" val="4034455632"/>
+      </p:ext>
+    </p:extLst>
+  </p:cSld>
+  <p:clrMapOvr>
+    <a:masterClrMapping/>
+  </p:clrMapOvr>
+</p:sld>
+</file>
+
+<file path=ppt/slides/slide17.xml><?xml version="1.0" encoding="utf-8"?>
+<p:sld xmlns:a="http://schemas.openxmlformats.org/drawingml/2006/main" xmlns:r="http://schemas.openxmlformats.org/officeDocument/2006/relationships" xmlns:p="http://schemas.openxmlformats.org/presentationml/2006/main">
+  <p:cSld>
+    <p:spTree>
+      <p:nvGrpSpPr>
+        <p:cNvPr id="1" name=""/>
+        <p:cNvGrpSpPr/>
+        <p:nvPr/>
+      </p:nvGrpSpPr>
+      <p:grpSpPr>
+        <a:xfrm>
+          <a:off x="0" y="0"/>
+          <a:ext cx="0" cy="0"/>
+          <a:chOff x="0" y="0"/>
+          <a:chExt cx="0" cy="0"/>
+        </a:xfrm>
+      </p:grpSpPr>
+      <p:sp>
+        <p:nvSpPr>
+          <p:cNvPr id="2" name="标题 1">
+            <a:extLst>
+              <a:ext uri="{FF2B5EF4-FFF2-40B4-BE49-F238E27FC236}">
+                <a16:creationId xmlns:a16="http://schemas.microsoft.com/office/drawing/2014/main" id="{126332E3-8D3E-4520-B38A-4A7CAC6F8E6E}"/>
+              </a:ext>
+            </a:extLst>
+          </p:cNvPr>
+          <p:cNvSpPr>
+            <a:spLocks noGrp="1"/>
+          </p:cNvSpPr>
+          <p:nvPr>
+            <p:ph type="title"/>
+          </p:nvPr>
+        </p:nvSpPr>
+        <p:spPr/>
+        <p:txBody>
+          <a:bodyPr/>
+          <a:lstStyle/>
+          <a:p>
+            <a:endParaRPr lang="zh-CN" altLang="en-US"/>
+          </a:p>
+        </p:txBody>
+      </p:sp>
+      <p:sp>
+        <p:nvSpPr>
+          <p:cNvPr id="3" name="文本占位符 2">
+            <a:extLst>
+              <a:ext uri="{FF2B5EF4-FFF2-40B4-BE49-F238E27FC236}">
+                <a16:creationId xmlns:a16="http://schemas.microsoft.com/office/drawing/2014/main" id="{F8EA4D86-DA2F-4C78-A019-0016ABCF27E3}"/>
+              </a:ext>
+            </a:extLst>
+          </p:cNvPr>
+          <p:cNvSpPr>
+            <a:spLocks noGrp="1"/>
+          </p:cNvSpPr>
+          <p:nvPr>
+            <p:ph type="body" idx="1"/>
+          </p:nvPr>
+        </p:nvSpPr>
+        <p:spPr/>
+        <p:txBody>
+          <a:bodyPr/>
+          <a:lstStyle/>
+          <a:p>
+            <a:endParaRPr lang="zh-CN" altLang="en-US"/>
+          </a:p>
+        </p:txBody>
+      </p:sp>
+      <p:grpSp>
+        <p:nvGrpSpPr>
+          <p:cNvPr id="12" name="Google Shape;68;p14">
+            <a:extLst>
+              <a:ext uri="{FF2B5EF4-FFF2-40B4-BE49-F238E27FC236}">
+                <a16:creationId xmlns:a16="http://schemas.microsoft.com/office/drawing/2014/main" id="{FB0A0EE4-4255-44D1-A578-503F8C374A31}"/>
+              </a:ext>
+            </a:extLst>
+          </p:cNvPr>
+          <p:cNvGrpSpPr/>
+          <p:nvPr/>
+        </p:nvGrpSpPr>
+        <p:grpSpPr>
+          <a:xfrm>
+            <a:off x="197042" y="287366"/>
+            <a:ext cx="8454529" cy="4228793"/>
+            <a:chOff x="2201500" y="2267500"/>
+            <a:chExt cx="3563100" cy="1982700"/>
+          </a:xfrm>
+        </p:grpSpPr>
+        <p:sp>
+          <p:nvSpPr>
+            <p:cNvPr id="6" name="Google Shape;69;p14">
+              <a:extLst>
+                <a:ext uri="{FF2B5EF4-FFF2-40B4-BE49-F238E27FC236}">
+                  <a16:creationId xmlns:a16="http://schemas.microsoft.com/office/drawing/2014/main" id="{4C26CA9C-ED42-4BFC-B41C-5862128EE17C}"/>
+                </a:ext>
+              </a:extLst>
+            </p:cNvPr>
+            <p:cNvSpPr/>
+            <p:nvPr/>
+          </p:nvSpPr>
+          <p:spPr>
+            <a:xfrm>
+              <a:off x="2201500" y="2267500"/>
+              <a:ext cx="3563100" cy="1982700"/>
+            </a:xfrm>
+            <a:prstGeom prst="rect">
+              <a:avLst/>
+            </a:prstGeom>
+            <a:solidFill>
+              <a:schemeClr val="lt1"/>
+            </a:solidFill>
+            <a:ln w="28575" cap="flat" cmpd="sng">
+              <a:solidFill>
+                <a:schemeClr val="dk1"/>
+              </a:solidFill>
+              <a:prstDash val="solid"/>
+              <a:round/>
+              <a:headEnd type="none" w="sm" len="sm"/>
+              <a:tailEnd type="none" w="sm" len="sm"/>
+            </a:ln>
+          </p:spPr>
+          <p:txBody>
+            <a:bodyPr spcFirstLastPara="1" wrap="square" lIns="91425" tIns="91425" rIns="91425" bIns="91425" anchor="ctr" anchorCtr="0">
+              <a:noAutofit/>
+            </a:bodyPr>
+            <a:lstStyle/>
+            <a:p>
+              <a:pPr marL="0" lvl="0" indent="0" algn="l" rtl="0">
+                <a:spcBef>
+                  <a:spcPts val="0"/>
+                </a:spcBef>
+                <a:spcAft>
+                  <a:spcPts val="0"/>
+                </a:spcAft>
+                <a:buNone/>
+              </a:pPr>
+              <a:endParaRPr/>
+            </a:p>
+          </p:txBody>
+        </p:sp>
+        <p:sp>
+          <p:nvSpPr>
+            <p:cNvPr id="7" name="Google Shape;70;p14">
+              <a:extLst>
+                <a:ext uri="{FF2B5EF4-FFF2-40B4-BE49-F238E27FC236}">
+                  <a16:creationId xmlns:a16="http://schemas.microsoft.com/office/drawing/2014/main" id="{BEB1F468-0CDA-4CC3-8552-5F6159D63F10}"/>
+                </a:ext>
+              </a:extLst>
+            </p:cNvPr>
+            <p:cNvSpPr/>
+            <p:nvPr/>
+          </p:nvSpPr>
+          <p:spPr>
+            <a:xfrm>
+              <a:off x="2201500" y="2267500"/>
+              <a:ext cx="3563100" cy="412200"/>
+            </a:xfrm>
+            <a:prstGeom prst="rect">
+              <a:avLst/>
+            </a:prstGeom>
+            <a:solidFill>
+              <a:schemeClr val="lt1"/>
+            </a:solidFill>
+            <a:ln w="19050" cap="flat" cmpd="sng">
+              <a:solidFill>
+                <a:schemeClr val="dk1"/>
+              </a:solidFill>
+              <a:prstDash val="solid"/>
+              <a:round/>
+              <a:headEnd type="none" w="sm" len="sm"/>
+              <a:tailEnd type="none" w="sm" len="sm"/>
+            </a:ln>
+          </p:spPr>
+          <p:txBody>
+            <a:bodyPr spcFirstLastPara="1" wrap="square" lIns="91425" tIns="91425" rIns="91425" bIns="91425" anchor="ctr" anchorCtr="0">
+              <a:noAutofit/>
+            </a:bodyPr>
+            <a:lstStyle/>
+            <a:p>
+              <a:pPr algn="ctr"/>
+              <a:r>
+                <a:rPr lang="en" b="1" err="1"/>
+                <a:t>LoginSystem</a:t>
+              </a:r>
+              <a:r>
+                <a:rPr lang="en" b="1"/>
+                <a:t> (Use-case)</a:t>
+              </a:r>
+              <a:endParaRPr lang="zh-CN"/>
+            </a:p>
+            <a:p>
+              <a:pPr marL="74295" algn="ctr"/>
+              <a:endParaRPr lang="en" b="1"/>
+            </a:p>
+          </p:txBody>
+        </p:sp>
+        <p:sp>
+          <p:nvSpPr>
+            <p:cNvPr id="8" name="Google Shape;71;p14">
+              <a:extLst>
+                <a:ext uri="{FF2B5EF4-FFF2-40B4-BE49-F238E27FC236}">
+                  <a16:creationId xmlns:a16="http://schemas.microsoft.com/office/drawing/2014/main" id="{B16A4BFB-348D-412C-903C-C4BAD38C50CF}"/>
+                </a:ext>
+              </a:extLst>
+            </p:cNvPr>
+            <p:cNvSpPr/>
+            <p:nvPr/>
+          </p:nvSpPr>
+          <p:spPr>
+            <a:xfrm>
+              <a:off x="4453900" y="2267500"/>
+              <a:ext cx="1310700" cy="210900"/>
+            </a:xfrm>
+            <a:prstGeom prst="rect">
+              <a:avLst/>
+            </a:prstGeom>
+            <a:noFill/>
+            <a:ln>
+              <a:noFill/>
+            </a:ln>
+          </p:spPr>
+          <p:txBody>
+            <a:bodyPr spcFirstLastPara="1" wrap="square" lIns="91425" tIns="91425" rIns="91425" bIns="91425" anchor="ctr" anchorCtr="0">
+              <a:noAutofit/>
+            </a:bodyPr>
+            <a:lstStyle/>
+            <a:p>
+              <a:pPr marL="0" lvl="0" indent="0" algn="r" rtl="0">
+                <a:spcBef>
+                  <a:spcPts val="0"/>
+                </a:spcBef>
+                <a:spcAft>
+                  <a:spcPts val="0"/>
+                </a:spcAft>
+                <a:buNone/>
+              </a:pPr>
+              <a:endParaRPr sz="1100" b="1"/>
+            </a:p>
+          </p:txBody>
+        </p:sp>
+        <p:sp>
+          <p:nvSpPr>
+            <p:cNvPr id="9" name="Google Shape;72;p14">
+              <a:extLst>
+                <a:ext uri="{FF2B5EF4-FFF2-40B4-BE49-F238E27FC236}">
+                  <a16:creationId xmlns:a16="http://schemas.microsoft.com/office/drawing/2014/main" id="{0CDE3C10-F808-4619-AFF4-8C8819C8AE54}"/>
+                </a:ext>
+              </a:extLst>
+            </p:cNvPr>
+            <p:cNvSpPr/>
+            <p:nvPr/>
+          </p:nvSpPr>
+          <p:spPr>
+            <a:xfrm>
+              <a:off x="4453900" y="2468800"/>
+              <a:ext cx="1310700" cy="210900"/>
+            </a:xfrm>
+            <a:prstGeom prst="rect">
+              <a:avLst/>
+            </a:prstGeom>
+            <a:noFill/>
+            <a:ln>
+              <a:noFill/>
+            </a:ln>
+          </p:spPr>
+          <p:txBody>
+            <a:bodyPr spcFirstLastPara="1" wrap="square" lIns="91425" tIns="91425" rIns="91425" bIns="91425" anchor="ctr" anchorCtr="0">
+              <a:noAutofit/>
+            </a:bodyPr>
+            <a:lstStyle/>
+            <a:p>
+              <a:pPr marL="0" lvl="0" indent="0" algn="r" rtl="0">
+                <a:spcBef>
+                  <a:spcPts val="0"/>
+                </a:spcBef>
+                <a:spcAft>
+                  <a:spcPts val="0"/>
+                </a:spcAft>
+                <a:buNone/>
+              </a:pPr>
+              <a:endParaRPr lang="af-ZA" sz="1100" b="1"/>
+            </a:p>
+          </p:txBody>
+        </p:sp>
+        <p:sp>
+          <p:nvSpPr>
+            <p:cNvPr id="10" name="Google Shape;73;p14">
+              <a:extLst>
+                <a:ext uri="{FF2B5EF4-FFF2-40B4-BE49-F238E27FC236}">
+                  <a16:creationId xmlns:a16="http://schemas.microsoft.com/office/drawing/2014/main" id="{4897FE52-99F4-47F9-BF89-50CB155CF7C9}"/>
+                </a:ext>
+              </a:extLst>
+            </p:cNvPr>
+            <p:cNvSpPr/>
+            <p:nvPr/>
+          </p:nvSpPr>
+          <p:spPr>
+            <a:xfrm>
+              <a:off x="2201500" y="2679700"/>
+              <a:ext cx="2252400" cy="1570500"/>
+            </a:xfrm>
+            <a:prstGeom prst="rect">
+              <a:avLst/>
+            </a:prstGeom>
+            <a:solidFill>
+              <a:schemeClr val="lt1"/>
+            </a:solidFill>
+            <a:ln w="19050" cap="flat" cmpd="sng">
+              <a:solidFill>
+                <a:schemeClr val="dk1"/>
+              </a:solidFill>
+              <a:prstDash val="solid"/>
+              <a:round/>
+              <a:headEnd type="none" w="sm" len="sm"/>
+              <a:tailEnd type="none" w="sm" len="sm"/>
+            </a:ln>
+          </p:spPr>
+          <p:txBody>
+            <a:bodyPr spcFirstLastPara="1" wrap="square" lIns="91425" tIns="91425" rIns="91425" bIns="91425" anchor="t" anchorCtr="0">
+              <a:noAutofit/>
+            </a:bodyPr>
+            <a:lstStyle/>
+            <a:p>
+              <a:pPr marL="74295">
+                <a:buSzPts val="1000"/>
+              </a:pPr>
+              <a:r>
+                <a:rPr lang="en-US" sz="1000"/>
+                <a:t>●Check if the user exists in users.csv</a:t>
+              </a:r>
+              <a:endParaRPr lang="en-US"/>
+            </a:p>
+            <a:p>
+              <a:r>
+                <a:rPr lang="en-US" sz="1000"/>
+                <a:t>●Check if the username matches the password in users.csv</a:t>
+              </a:r>
+              <a:endParaRPr lang="en-US"/>
+            </a:p>
+            <a:p>
+              <a:r>
+                <a:rPr lang="en-US" sz="1000"/>
+                <a:t>●Add user to users.csv</a:t>
+              </a:r>
+              <a:endParaRPr lang="en-US"/>
+            </a:p>
+            <a:p>
+              <a:pPr marL="74295">
+                <a:buSzPts val="1000"/>
+              </a:pPr>
+              <a:endParaRPr lang="en-US" sz="1000"/>
+            </a:p>
+          </p:txBody>
+        </p:sp>
+        <p:sp>
+          <p:nvSpPr>
+            <p:cNvPr id="11" name="Google Shape;74;p14">
+              <a:extLst>
+                <a:ext uri="{FF2B5EF4-FFF2-40B4-BE49-F238E27FC236}">
+                  <a16:creationId xmlns:a16="http://schemas.microsoft.com/office/drawing/2014/main" id="{9809A579-A61A-46E6-82B6-853F3082B9C1}"/>
+                </a:ext>
+              </a:extLst>
+            </p:cNvPr>
+            <p:cNvSpPr/>
+            <p:nvPr/>
+          </p:nvSpPr>
+          <p:spPr>
+            <a:xfrm>
+              <a:off x="4453800" y="2679700"/>
+              <a:ext cx="1310700" cy="1570500"/>
+            </a:xfrm>
+            <a:prstGeom prst="rect">
+              <a:avLst/>
+            </a:prstGeom>
+            <a:solidFill>
+              <a:schemeClr val="lt1"/>
+            </a:solidFill>
+            <a:ln w="19050" cap="flat" cmpd="sng">
+              <a:solidFill>
+                <a:schemeClr val="dk1"/>
+              </a:solidFill>
+              <a:prstDash val="solid"/>
+              <a:round/>
+              <a:headEnd type="none" w="sm" len="sm"/>
+              <a:tailEnd type="none" w="sm" len="sm"/>
+            </a:ln>
+          </p:spPr>
+          <p:txBody>
+            <a:bodyPr spcFirstLastPara="1" wrap="square" lIns="91425" tIns="91425" rIns="91425" bIns="91425" anchor="t" anchorCtr="0">
+              <a:noAutofit/>
+            </a:bodyPr>
+            <a:lstStyle/>
+            <a:p>
+              <a:endParaRPr lang="en" sz="1200"/>
+            </a:p>
+            <a:p>
+              <a:endParaRPr lang="en" sz="1200"/>
+            </a:p>
+          </p:txBody>
+        </p:sp>
+      </p:grpSp>
+    </p:spTree>
+    <p:extLst>
+      <p:ext uri="{BB962C8B-B14F-4D97-AF65-F5344CB8AC3E}">
+        <p14:creationId xmlns:p14="http://schemas.microsoft.com/office/powerpoint/2010/main" val="4234034493"/>
       </p:ext>
     </p:extLst>
   </p:cSld>
@@ -10347,11 +10340,7 @@
                 <a:buFont typeface="Arial,Sans-Serif"/>
                 <a:buChar char="●"/>
               </a:pPr>
-              <a:r>
-                <a:rPr lang="en" sz="1000"/>
-                <a:t>Apply penalty for late cancellation or late modification if applicable.</a:t>
-              </a:r>
-              <a:endParaRPr lang="en"/>
+              <a:endParaRPr lang="en" sz="1000"/>
             </a:p>
             <a:p>
               <a:pPr marL="182880" indent="-108585">
@@ -11224,7 +11213,11 @@
               </a:br>
               <a:r>
                 <a:rPr lang="en" sz="1000" i="1"/>
-                <a:t>* total seat numbers</a:t>
+                <a:t>*</a:t>
+              </a:r>
+              <a:r>
+                <a:rPr lang="en" sz="1000" b="1" i="1"/>
+                <a:t> total seat numbers and seat type</a:t>
               </a:r>
               <a:br>
                 <a:rPr lang="en" sz="1000" i="1"/>
@@ -11249,7 +11242,15 @@
               </a:r>
               <a:r>
                 <a:rPr lang="en" sz="1000"/>
-                <a:t>the inner seat number will be changed to"X" to indicate that the seat is no longer available.) </a:t>
+                <a:t>the inner seat number will be changed </a:t>
+              </a:r>
+              <a:r>
+                <a:rPr lang="en" sz="1000" err="1"/>
+                <a:t>to"X</a:t>
+              </a:r>
+              <a:r>
+                <a:rPr lang="en" sz="1000"/>
+                <a:t>" to indicate that the seat is no longer available.) </a:t>
               </a:r>
               <a:endParaRPr lang="zh-CN" altLang="en-US"/>
             </a:p>
@@ -11276,8 +11277,20 @@
                 <a:buChar char="●"/>
               </a:pPr>
               <a:r>
+                <a:rPr lang="en" sz="1000" err="1"/>
+                <a:t>Overrided</a:t>
+              </a:r>
+              <a:r>
                 <a:rPr lang="en" sz="1000"/>
-                <a:t>Overrided toString method</a:t>
+                <a:t> </a:t>
+              </a:r>
+              <a:r>
+                <a:rPr lang="en" sz="1000" err="1"/>
+                <a:t>toString</a:t>
+              </a:r>
+              <a:r>
+                <a:rPr lang="en" sz="1000"/>
+                <a:t> method</a:t>
               </a:r>
             </a:p>
             <a:p>
@@ -11286,8 +11299,12 @@
                 <a:buChar char="●"/>
               </a:pPr>
               <a:r>
+                <a:rPr lang="en" sz="1000" err="1"/>
+                <a:t>ReserveOneSeat</a:t>
+              </a:r>
+              <a:r>
                 <a:rPr lang="en" sz="1000"/>
-                <a:t>ReserveOneSeat method</a:t>
+                <a:t> method</a:t>
               </a:r>
             </a:p>
             <a:p>
@@ -11296,8 +11313,12 @@
                 <a:buChar char="●"/>
               </a:pPr>
               <a:r>
-                <a:rPr lang="en" sz="1000"/>
-                <a:t>BuildTime method(helper method for constructor)</a:t>
+                <a:rPr lang="en" sz="1000" b="1" err="1"/>
+                <a:t>BuildTime</a:t>
+              </a:r>
+              <a:r>
+                <a:rPr lang="en" sz="1000" b="1"/>
+                <a:t> method(helper method for constructor)</a:t>
               </a:r>
             </a:p>
             <a:p>
@@ -11306,8 +11327,12 @@
                 <a:buChar char="●"/>
               </a:pPr>
               <a:r>
-                <a:rPr lang="en" sz="1000"/>
-                <a:t>BuildSeatArray method(helper method for constructor)</a:t>
+                <a:rPr lang="en" sz="1000" b="1" err="1"/>
+                <a:t>BuildSeatArray</a:t>
+              </a:r>
+              <a:r>
+                <a:rPr lang="en" sz="1000" b="1"/>
+                <a:t> method(helper method for constructor)</a:t>
               </a:r>
             </a:p>
             <a:p>
@@ -11395,92 +11420,91 @@
             </a:p>
             <a:p>
               <a:r>
-                <a:rPr lang="af-ZA" sz="1200"/>
+                <a:rPr lang="af-ZA" sz="1200" err="1"/>
                 <a:t>PHManager</a:t>
               </a:r>
             </a:p>
             <a:p>
               <a:r>
-                <a:rPr lang="af-ZA" sz="1200"/>
+                <a:rPr lang="af-ZA" sz="1200" err="1"/>
                 <a:t>PriceCalculator</a:t>
               </a:r>
-              <a:endParaRPr lang="af-ZA" sz="1200" dirty="0"/>
-            </a:p>
-            <a:p>
-              <a:r>
-                <a:rPr lang="af-ZA" sz="1200" err="1"/>
+            </a:p>
+            <a:p>
+              <a:r>
+                <a:rPr lang="af-ZA" sz="1200" b="1" err="1"/>
                 <a:t>SmallFlight</a:t>
               </a:r>
               <a:r>
-                <a:rPr lang="af-ZA" sz="1200"/>
+                <a:rPr lang="af-ZA" sz="1200" b="1"/>
                 <a:t> (</a:t>
               </a:r>
               <a:r>
-                <a:rPr lang="af-ZA" sz="1200" err="1"/>
+                <a:rPr lang="af-ZA" sz="1200" b="1" err="1"/>
                 <a:t>its</a:t>
               </a:r>
               <a:r>
-                <a:rPr lang="af-ZA" sz="1200" dirty="0"/>
+                <a:rPr lang="af-ZA" sz="1200" b="1"/>
                 <a:t> </a:t>
               </a:r>
               <a:r>
-                <a:rPr lang="af-ZA" sz="1200" err="1"/>
+                <a:rPr lang="af-ZA" sz="1200" b="1" err="1"/>
                 <a:t>subclass</a:t>
               </a:r>
               <a:r>
-                <a:rPr lang="af-ZA" sz="1200"/>
+                <a:rPr lang="af-ZA" sz="1200" b="1"/>
                 <a:t>)</a:t>
               </a:r>
             </a:p>
             <a:p>
               <a:r>
-                <a:rPr lang="af-ZA" sz="1200" err="1"/>
+                <a:rPr lang="af-ZA" sz="1200" b="1" err="1"/>
                 <a:t>MediumFlight</a:t>
               </a:r>
               <a:r>
-                <a:rPr lang="af-ZA" sz="1200"/>
+                <a:rPr lang="af-ZA" sz="1200" b="1"/>
                 <a:t> (</a:t>
               </a:r>
               <a:r>
-                <a:rPr lang="af-ZA" sz="1200" err="1"/>
+                <a:rPr lang="af-ZA" sz="1200" b="1" err="1"/>
                 <a:t>its</a:t>
               </a:r>
               <a:r>
-                <a:rPr lang="af-ZA" sz="1200" dirty="0"/>
+                <a:rPr lang="af-ZA" sz="1200" b="1"/>
                 <a:t> </a:t>
               </a:r>
               <a:r>
-                <a:rPr lang="af-ZA" sz="1200" err="1"/>
+                <a:rPr lang="af-ZA" sz="1200" b="1" err="1"/>
                 <a:t>subclass</a:t>
               </a:r>
               <a:r>
-                <a:rPr lang="af-ZA" sz="1200"/>
+                <a:rPr lang="af-ZA" sz="1200" b="1"/>
                 <a:t>)</a:t>
               </a:r>
             </a:p>
             <a:p>
               <a:r>
-                <a:rPr lang="af-ZA" sz="1200" err="1"/>
+                <a:rPr lang="af-ZA" sz="1200" b="1" err="1"/>
                 <a:t>LargeFlight</a:t>
               </a:r>
               <a:r>
-                <a:rPr lang="af-ZA" sz="1200"/>
+                <a:rPr lang="af-ZA" sz="1200" b="1"/>
                 <a:t> (</a:t>
               </a:r>
               <a:r>
-                <a:rPr lang="af-ZA" sz="1200" err="1"/>
+                <a:rPr lang="af-ZA" sz="1200" b="1" err="1"/>
                 <a:t>its</a:t>
               </a:r>
               <a:r>
-                <a:rPr lang="af-ZA" sz="1200" dirty="0"/>
+                <a:rPr lang="af-ZA" sz="1200" b="1"/>
                 <a:t> </a:t>
               </a:r>
               <a:r>
-                <a:rPr lang="af-ZA" sz="1200" err="1"/>
+                <a:rPr lang="af-ZA" sz="1200" b="1" err="1"/>
                 <a:t>subclass</a:t>
               </a:r>
               <a:r>
-                <a:rPr lang="af-ZA" sz="1200"/>
+                <a:rPr lang="af-ZA" sz="1200" b="1"/>
                 <a:t>)</a:t>
               </a:r>
             </a:p>
@@ -11941,9 +11965,7 @@
         </p:nvSpPr>
         <p:spPr/>
         <p:txBody>
-          <a:bodyPr>
-            <a:normAutofit fontScale="90000"/>
-          </a:bodyPr>
+          <a:bodyPr/>
           <a:lstStyle/>
           <a:p>
             <a:endParaRPr lang="en-US"/>
@@ -12441,9 +12463,7 @@
         </p:nvSpPr>
         <p:spPr/>
         <p:txBody>
-          <a:bodyPr>
-            <a:normAutofit fontScale="90000"/>
-          </a:bodyPr>
+          <a:bodyPr/>
           <a:lstStyle/>
           <a:p>
             <a:endParaRPr lang="en-US"/>
@@ -13793,14 +13813,22 @@
               </a:r>
               <a:r>
                 <a:rPr lang="en" sz="1000"/>
-                <a:t>the inner seat number will be changed to"X" to indicate that the seat is no longer available.)  (t</a:t>
+                <a:t>the inner seat number will be changed </a:t>
+              </a:r>
+              <a:r>
+                <a:rPr lang="en" sz="1000" err="1"/>
+                <a:t>to"X</a:t>
+              </a:r>
+              <a:r>
+                <a:rPr lang="en" sz="1000"/>
+                <a:t>" to indicate that the seat is no longer available.)  (t</a:t>
               </a:r>
               <a:r>
                 <a:rPr lang="en" sz="1000" i="1"/>
                 <a:t>his type of flight only contains </a:t>
               </a:r>
               <a:r>
-                <a:rPr lang="en" sz="1000" i="1">
+                <a:rPr lang="en" sz="1000" b="1" i="1">
                   <a:solidFill>
                     <a:schemeClr val="tx1"/>
                   </a:solidFill>
@@ -13808,10 +13836,10 @@
                 <a:t>6 first class,14 business</a:t>
               </a:r>
               <a:r>
-                <a:rPr lang="en" sz="1000"/>
+                <a:rPr lang="en" sz="1000" b="1"/>
                 <a:t>)</a:t>
               </a:r>
-              <a:endParaRPr lang="zh-CN" altLang="en-US" sz="1000"/>
+              <a:endParaRPr lang="zh-CN" altLang="en-US" sz="1000" b="1"/>
             </a:p>
             <a:p>
               <a:pPr marL="182880" indent="-108585">
@@ -13832,8 +13860,20 @@
                 <a:buChar char="●"/>
               </a:pPr>
               <a:r>
+                <a:rPr lang="en" sz="1000" err="1"/>
+                <a:t>Overrided</a:t>
+              </a:r>
+              <a:r>
                 <a:rPr lang="en" sz="1000"/>
-                <a:t>Overrided toString method</a:t>
+                <a:t> </a:t>
+              </a:r>
+              <a:r>
+                <a:rPr lang="en" sz="1000" err="1"/>
+                <a:t>toString</a:t>
+              </a:r>
+              <a:r>
+                <a:rPr lang="en" sz="1000"/>
+                <a:t> method</a:t>
               </a:r>
             </a:p>
             <a:p>
@@ -13843,8 +13883,12 @@
                 <a:buChar char="●"/>
               </a:pPr>
               <a:r>
+                <a:rPr lang="en" sz="1000" err="1"/>
+                <a:t>ReserveOneSeat</a:t>
+              </a:r>
+              <a:r>
                 <a:rPr lang="en" sz="1000"/>
-                <a:t>ReserveOneSeat method</a:t>
+                <a:t> method</a:t>
               </a:r>
             </a:p>
             <a:p>
@@ -13854,8 +13898,12 @@
                 <a:buChar char="●"/>
               </a:pPr>
               <a:r>
+                <a:rPr lang="en" sz="1000" err="1"/>
+                <a:t>BuildTime</a:t>
+              </a:r>
+              <a:r>
                 <a:rPr lang="en" sz="1000"/>
-                <a:t>BuildTime method(helper method for constructor)</a:t>
+                <a:t> method(helper method for constructor)</a:t>
               </a:r>
             </a:p>
             <a:p>
@@ -13865,8 +13913,12 @@
                 <a:buChar char="●"/>
               </a:pPr>
               <a:r>
+                <a:rPr lang="en" sz="1000" err="1"/>
+                <a:t>BuildSeatArray</a:t>
+              </a:r>
+              <a:r>
                 <a:rPr lang="en" sz="1000"/>
-                <a:t>BuildSeatArray method(helper method for constructor)</a:t>
+                <a:t> method(helper method for constructor)</a:t>
               </a:r>
               <a:endParaRPr lang="zh-CN"/>
             </a:p>
@@ -15267,14 +15319,29 @@
                 <a:t> </a:t>
               </a:r>
               <a:r>
-                <a:rPr lang="en" sz="1000" b="1"/>
+                <a:rPr lang="en" sz="1000" b="1" err="1"/>
                 <a:t>redeemItem</a:t>
               </a:r>
               <a:r>
                 <a:rPr lang="en" sz="1000"/>
-                <a:t> which inputs customer, if user has enough redeem points then add a redeemed RewardsItem to customer's purchaseHistory, and minus the points redeemed, and returns String saying if the item is redeemed. </a:t>
-              </a:r>
-              <a:endParaRPr lang="en" sz="1000" i="1"/>
+                <a:t> which inputs customer, if user has enough redeem points then add a redeemed </a:t>
+              </a:r>
+              <a:r>
+                <a:rPr lang="en" sz="1000" err="1"/>
+                <a:t>RewardsItem</a:t>
+              </a:r>
+              <a:r>
+                <a:rPr lang="en" sz="1000"/>
+                <a:t> to customer's </a:t>
+              </a:r>
+              <a:r>
+                <a:rPr lang="en" sz="1000" err="1"/>
+                <a:t>purchaseHistory</a:t>
+              </a:r>
+              <a:r>
+                <a:rPr lang="en" sz="1000"/>
+                <a:t>, and minus the points redeemed.</a:t>
+              </a:r>
             </a:p>
           </p:txBody>
         </p:sp>
